--- a/Planificacion/Proyecto Integrador.pptx
+++ b/Planificacion/Proyecto Integrador.pptx
@@ -5,24 +5,26 @@
     <p:sldMasterId id="2147483648" r:id="rId4"/>
   </p:sldMasterIdLst>
   <p:notesMasterIdLst>
-    <p:notesMasterId r:id="rId17"/>
+    <p:notesMasterId r:id="rId19"/>
   </p:notesMasterIdLst>
   <p:handoutMasterIdLst>
-    <p:handoutMasterId r:id="rId18"/>
+    <p:handoutMasterId r:id="rId20"/>
   </p:handoutMasterIdLst>
   <p:sldIdLst>
     <p:sldId id="256" r:id="rId5"/>
     <p:sldId id="265" r:id="rId6"/>
-    <p:sldId id="279" r:id="rId7"/>
-    <p:sldId id="280" r:id="rId8"/>
-    <p:sldId id="270" r:id="rId9"/>
-    <p:sldId id="281" r:id="rId10"/>
-    <p:sldId id="276" r:id="rId11"/>
-    <p:sldId id="277" r:id="rId12"/>
-    <p:sldId id="278" r:id="rId13"/>
-    <p:sldId id="282" r:id="rId14"/>
-    <p:sldId id="283" r:id="rId15"/>
-    <p:sldId id="274" r:id="rId16"/>
+    <p:sldId id="274" r:id="rId7"/>
+    <p:sldId id="284" r:id="rId8"/>
+    <p:sldId id="279" r:id="rId9"/>
+    <p:sldId id="280" r:id="rId10"/>
+    <p:sldId id="270" r:id="rId11"/>
+    <p:sldId id="281" r:id="rId12"/>
+    <p:sldId id="276" r:id="rId13"/>
+    <p:sldId id="277" r:id="rId14"/>
+    <p:sldId id="278" r:id="rId15"/>
+    <p:sldId id="282" r:id="rId16"/>
+    <p:sldId id="283" r:id="rId17"/>
+    <p:sldId id="285" r:id="rId18"/>
   </p:sldIdLst>
   <p:sldSz cx="12192000" cy="6858000"/>
   <p:notesSz cx="6858000" cy="9144000"/>
@@ -231,7 +233,7 @@
             <a:pPr algn="r" rtl="0"/>
             <a:fld id="{C57DE37D-B738-4817-B751-0C1B86D8B665}" type="datetime1">
               <a:rPr lang="es-ES" smtClean="0"/>
-              <a:t>17/01/2018</a:t>
+              <a:t>21/01/2018</a:t>
             </a:fld>
             <a:endParaRPr dirty="0"/>
           </a:p>
@@ -401,7 +403,7 @@
             <a:fld id="{17BB30D9-D505-4352-B274-A1AB529BC646}" type="datetime1">
               <a:rPr lang="es-ES" smtClean="0"/>
               <a:pPr/>
-              <a:t>17/01/2018</a:t>
+              <a:t>21/01/2018</a:t>
             </a:fld>
             <a:endParaRPr lang="es-ES" dirty="0"/>
           </a:p>
@@ -756,6 +758,91 @@
 </p:notes>
 </file>
 
+<file path=ppt/notesSlides/notesSlide10.xml><?xml version="1.0" encoding="utf-8"?>
+<p:notes xmlns:a="http://schemas.openxmlformats.org/drawingml/2006/main" xmlns:r="http://schemas.openxmlformats.org/officeDocument/2006/relationships" xmlns:p="http://schemas.openxmlformats.org/presentationml/2006/main">
+  <p:cSld>
+    <p:spTree>
+      <p:nvGrpSpPr>
+        <p:cNvPr id="1" name=""/>
+        <p:cNvGrpSpPr/>
+        <p:nvPr/>
+      </p:nvGrpSpPr>
+      <p:grpSpPr>
+        <a:xfrm>
+          <a:off x="0" y="0"/>
+          <a:ext cx="0" cy="0"/>
+          <a:chOff x="0" y="0"/>
+          <a:chExt cx="0" cy="0"/>
+        </a:xfrm>
+      </p:grpSpPr>
+      <p:sp>
+        <p:nvSpPr>
+          <p:cNvPr id="2" name="Marcador de imagen de diapositiva 1"/>
+          <p:cNvSpPr>
+            <a:spLocks noGrp="1" noRot="1" noChangeAspect="1"/>
+          </p:cNvSpPr>
+          <p:nvPr>
+            <p:ph type="sldImg"/>
+          </p:nvPr>
+        </p:nvSpPr>
+        <p:spPr/>
+      </p:sp>
+      <p:sp>
+        <p:nvSpPr>
+          <p:cNvPr id="3" name="Marcador de notas 2"/>
+          <p:cNvSpPr>
+            <a:spLocks noGrp="1"/>
+          </p:cNvSpPr>
+          <p:nvPr>
+            <p:ph type="body" idx="1"/>
+          </p:nvPr>
+        </p:nvSpPr>
+        <p:spPr/>
+        <p:txBody>
+          <a:bodyPr/>
+          <a:lstStyle/>
+          <a:p>
+            <a:endParaRPr lang="es-ES"/>
+          </a:p>
+        </p:txBody>
+      </p:sp>
+      <p:sp>
+        <p:nvSpPr>
+          <p:cNvPr id="4" name="Marcador de número de diapositiva 3"/>
+          <p:cNvSpPr>
+            <a:spLocks noGrp="1"/>
+          </p:cNvSpPr>
+          <p:nvPr>
+            <p:ph type="sldNum" sz="quarter" idx="10"/>
+          </p:nvPr>
+        </p:nvSpPr>
+        <p:spPr/>
+        <p:txBody>
+          <a:bodyPr/>
+          <a:lstStyle/>
+          <a:p>
+            <a:fld id="{5EE2CF44-2B13-41B4-A334-1CDF534EEBBF}" type="slidenum">
+              <a:rPr lang="es-ES" smtClean="0"/>
+              <a:pPr/>
+              <a:t>14</a:t>
+            </a:fld>
+            <a:endParaRPr lang="es-ES" dirty="0"/>
+          </a:p>
+        </p:txBody>
+      </p:sp>
+    </p:spTree>
+    <p:extLst>
+      <p:ext uri="{BB962C8B-B14F-4D97-AF65-F5344CB8AC3E}">
+        <p14:creationId xmlns:p14="http://schemas.microsoft.com/office/powerpoint/2010/main" val="264814529"/>
+      </p:ext>
+    </p:extLst>
+  </p:cSld>
+  <p:clrMapOvr>
+    <a:masterClrMapping/>
+  </p:clrMapOvr>
+</p:notes>
+</file>
+
 <file path=ppt/notesSlides/notesSlide2.xml><?xml version="1.0" encoding="utf-8"?>
 <p:notes xmlns:a="http://schemas.openxmlformats.org/drawingml/2006/main" xmlns:r="http://schemas.openxmlformats.org/officeDocument/2006/relationships" xmlns:p="http://schemas.openxmlformats.org/presentationml/2006/main">
   <p:cSld>
@@ -822,7 +909,7 @@
             <a:fld id="{5EE2CF44-2B13-41B4-A334-1CDF534EEBBF}" type="slidenum">
               <a:rPr lang="es-ES" smtClean="0"/>
               <a:pPr/>
-              <a:t>5</a:t>
+              <a:t>3</a:t>
             </a:fld>
             <a:endParaRPr lang="es-ES" dirty="0"/>
           </a:p>
@@ -831,7 +918,7 @@
     </p:spTree>
     <p:extLst>
       <p:ext uri="{BB962C8B-B14F-4D97-AF65-F5344CB8AC3E}">
-        <p14:creationId xmlns:p14="http://schemas.microsoft.com/office/powerpoint/2010/main" val="4092930040"/>
+        <p14:creationId xmlns:p14="http://schemas.microsoft.com/office/powerpoint/2010/main" val="1115843249"/>
       </p:ext>
     </p:extLst>
   </p:cSld>
@@ -907,7 +994,7 @@
             <a:fld id="{5EE2CF44-2B13-41B4-A334-1CDF534EEBBF}" type="slidenum">
               <a:rPr lang="es-ES" smtClean="0"/>
               <a:pPr/>
-              <a:t>6</a:t>
+              <a:t>7</a:t>
             </a:fld>
             <a:endParaRPr lang="es-ES" dirty="0"/>
           </a:p>
@@ -916,7 +1003,7 @@
     </p:spTree>
     <p:extLst>
       <p:ext uri="{BB962C8B-B14F-4D97-AF65-F5344CB8AC3E}">
-        <p14:creationId xmlns:p14="http://schemas.microsoft.com/office/powerpoint/2010/main" val="1371035512"/>
+        <p14:creationId xmlns:p14="http://schemas.microsoft.com/office/powerpoint/2010/main" val="4092930040"/>
       </p:ext>
     </p:extLst>
   </p:cSld>
@@ -992,7 +1079,7 @@
             <a:fld id="{5EE2CF44-2B13-41B4-A334-1CDF534EEBBF}" type="slidenum">
               <a:rPr lang="es-ES" smtClean="0"/>
               <a:pPr/>
-              <a:t>7</a:t>
+              <a:t>8</a:t>
             </a:fld>
             <a:endParaRPr lang="es-ES" dirty="0"/>
           </a:p>
@@ -1001,7 +1088,7 @@
     </p:spTree>
     <p:extLst>
       <p:ext uri="{BB962C8B-B14F-4D97-AF65-F5344CB8AC3E}">
-        <p14:creationId xmlns:p14="http://schemas.microsoft.com/office/powerpoint/2010/main" val="3911029624"/>
+        <p14:creationId xmlns:p14="http://schemas.microsoft.com/office/powerpoint/2010/main" val="1371035512"/>
       </p:ext>
     </p:extLst>
   </p:cSld>
@@ -1077,7 +1164,7 @@
             <a:fld id="{5EE2CF44-2B13-41B4-A334-1CDF534EEBBF}" type="slidenum">
               <a:rPr lang="es-ES" smtClean="0"/>
               <a:pPr/>
-              <a:t>8</a:t>
+              <a:t>9</a:t>
             </a:fld>
             <a:endParaRPr lang="es-ES" dirty="0"/>
           </a:p>
@@ -1086,7 +1173,7 @@
     </p:spTree>
     <p:extLst>
       <p:ext uri="{BB962C8B-B14F-4D97-AF65-F5344CB8AC3E}">
-        <p14:creationId xmlns:p14="http://schemas.microsoft.com/office/powerpoint/2010/main" val="1171911074"/>
+        <p14:creationId xmlns:p14="http://schemas.microsoft.com/office/powerpoint/2010/main" val="3911029624"/>
       </p:ext>
     </p:extLst>
   </p:cSld>
@@ -1162,7 +1249,7 @@
             <a:fld id="{5EE2CF44-2B13-41B4-A334-1CDF534EEBBF}" type="slidenum">
               <a:rPr lang="es-ES" smtClean="0"/>
               <a:pPr/>
-              <a:t>9</a:t>
+              <a:t>10</a:t>
             </a:fld>
             <a:endParaRPr lang="es-ES" dirty="0"/>
           </a:p>
@@ -1171,7 +1258,7 @@
     </p:spTree>
     <p:extLst>
       <p:ext uri="{BB962C8B-B14F-4D97-AF65-F5344CB8AC3E}">
-        <p14:creationId xmlns:p14="http://schemas.microsoft.com/office/powerpoint/2010/main" val="3495778860"/>
+        <p14:creationId xmlns:p14="http://schemas.microsoft.com/office/powerpoint/2010/main" val="1171911074"/>
       </p:ext>
     </p:extLst>
   </p:cSld>
@@ -1247,7 +1334,7 @@
             <a:fld id="{5EE2CF44-2B13-41B4-A334-1CDF534EEBBF}" type="slidenum">
               <a:rPr lang="es-ES" smtClean="0"/>
               <a:pPr/>
-              <a:t>10</a:t>
+              <a:t>11</a:t>
             </a:fld>
             <a:endParaRPr lang="es-ES" dirty="0"/>
           </a:p>
@@ -1256,7 +1343,7 @@
     </p:spTree>
     <p:extLst>
       <p:ext uri="{BB962C8B-B14F-4D97-AF65-F5344CB8AC3E}">
-        <p14:creationId xmlns:p14="http://schemas.microsoft.com/office/powerpoint/2010/main" val="3747599015"/>
+        <p14:creationId xmlns:p14="http://schemas.microsoft.com/office/powerpoint/2010/main" val="3495778860"/>
       </p:ext>
     </p:extLst>
   </p:cSld>
@@ -1332,7 +1419,7 @@
             <a:fld id="{5EE2CF44-2B13-41B4-A334-1CDF534EEBBF}" type="slidenum">
               <a:rPr lang="es-ES" smtClean="0"/>
               <a:pPr/>
-              <a:t>11</a:t>
+              <a:t>12</a:t>
             </a:fld>
             <a:endParaRPr lang="es-ES" dirty="0"/>
           </a:p>
@@ -1341,7 +1428,7 @@
     </p:spTree>
     <p:extLst>
       <p:ext uri="{BB962C8B-B14F-4D97-AF65-F5344CB8AC3E}">
-        <p14:creationId xmlns:p14="http://schemas.microsoft.com/office/powerpoint/2010/main" val="3377577864"/>
+        <p14:creationId xmlns:p14="http://schemas.microsoft.com/office/powerpoint/2010/main" val="3747599015"/>
       </p:ext>
     </p:extLst>
   </p:cSld>
@@ -1417,7 +1504,7 @@
             <a:fld id="{5EE2CF44-2B13-41B4-A334-1CDF534EEBBF}" type="slidenum">
               <a:rPr lang="es-ES" smtClean="0"/>
               <a:pPr/>
-              <a:t>12</a:t>
+              <a:t>13</a:t>
             </a:fld>
             <a:endParaRPr lang="es-ES" dirty="0"/>
           </a:p>
@@ -1426,7 +1513,7 @@
     </p:spTree>
     <p:extLst>
       <p:ext uri="{BB962C8B-B14F-4D97-AF65-F5344CB8AC3E}">
-        <p14:creationId xmlns:p14="http://schemas.microsoft.com/office/powerpoint/2010/main" val="1115843249"/>
+        <p14:creationId xmlns:p14="http://schemas.microsoft.com/office/powerpoint/2010/main" val="3377577864"/>
       </p:ext>
     </p:extLst>
   </p:cSld>
@@ -1809,7 +1896,7 @@
             <a:fld id="{FC1B432D-78E7-40AE-81C6-52773394A046}" type="datetime1">
               <a:rPr lang="es-ES" smtClean="0"/>
               <a:pPr/>
-              <a:t>17/01/2018</a:t>
+              <a:t>21/01/2018</a:t>
             </a:fld>
             <a:endParaRPr lang="es-ES" dirty="0"/>
           </a:p>
@@ -1999,7 +2086,7 @@
             <a:fld id="{E062C603-371F-4D8B-AFB8-8337237C6271}" type="datetime1">
               <a:rPr lang="es-ES" smtClean="0"/>
               <a:pPr algn="r"/>
-              <a:t>17/01/2018</a:t>
+              <a:t>21/01/2018</a:t>
             </a:fld>
             <a:endParaRPr lang="es-ES" dirty="0"/>
           </a:p>
@@ -2182,7 +2269,7 @@
             <a:fld id="{D1AE6EBB-BEC9-4000-8D95-40B44C4E2CA6}" type="datetime1">
               <a:rPr lang="es-ES" smtClean="0"/>
               <a:pPr/>
-              <a:t>17/01/2018</a:t>
+              <a:t>21/01/2018</a:t>
             </a:fld>
             <a:endParaRPr lang="es-ES" dirty="0"/>
           </a:p>
@@ -2627,7 +2714,7 @@
             <a:fld id="{7CAF1BE7-5365-4137-AE14-A7C362FC891C}" type="datetime1">
               <a:rPr lang="es-ES" smtClean="0"/>
               <a:pPr/>
-              <a:t>17/01/2018</a:t>
+              <a:t>21/01/2018</a:t>
             </a:fld>
             <a:endParaRPr lang="es-ES" dirty="0"/>
           </a:p>
@@ -3076,7 +3163,7 @@
             <a:fld id="{CCE83AA6-4601-4BF7-BD54-99DD2B193FD1}" type="datetime1">
               <a:rPr lang="es-ES" smtClean="0"/>
               <a:pPr/>
-              <a:t>17/01/2018</a:t>
+              <a:t>21/01/2018</a:t>
             </a:fld>
             <a:endParaRPr lang="es-ES" dirty="0"/>
           </a:p>
@@ -3203,7 +3290,7 @@
             <a:fld id="{808DBE58-23DC-4EE9-8158-B69AC44D4A43}" type="datetime1">
               <a:rPr lang="es-ES" smtClean="0"/>
               <a:pPr/>
-              <a:t>17/01/2018</a:t>
+              <a:t>21/01/2018</a:t>
             </a:fld>
             <a:endParaRPr lang="es-ES" dirty="0"/>
           </a:p>
@@ -3306,7 +3393,7 @@
             <a:fld id="{97C2EBBF-D49B-4842-B69E-CE552000DC09}" type="datetime1">
               <a:rPr lang="es-ES" smtClean="0"/>
               <a:pPr/>
-              <a:t>17/01/2018</a:t>
+              <a:t>21/01/2018</a:t>
             </a:fld>
             <a:endParaRPr lang="es-ES" dirty="0"/>
           </a:p>
@@ -3600,7 +3687,7 @@
             <a:fld id="{AF364E66-D00E-49A9-9E62-AB0485562249}" type="datetime1">
               <a:rPr lang="es-ES" smtClean="0"/>
               <a:pPr algn="r"/>
-              <a:t>17/01/2018</a:t>
+              <a:t>21/01/2018</a:t>
             </a:fld>
             <a:endParaRPr lang="es-ES" dirty="0"/>
           </a:p>
@@ -3926,7 +4013,7 @@
             <a:fld id="{8EB92E29-7FB2-4284-9496-FE061DBF8A30}" type="datetime1">
               <a:rPr lang="es-ES" smtClean="0"/>
               <a:pPr/>
-              <a:t>17/01/2018</a:t>
+              <a:t>21/01/2018</a:t>
             </a:fld>
             <a:endParaRPr lang="es-ES" dirty="0"/>
           </a:p>
@@ -4142,7 +4229,7 @@
             <a:fld id="{F03D15E0-E6C7-48CB-A009-DF16BCB95302}" type="datetime1">
               <a:rPr lang="es-ES" smtClean="0"/>
               <a:pPr/>
-              <a:t>17/01/2018</a:t>
+              <a:t>21/01/2018</a:t>
             </a:fld>
             <a:endParaRPr lang="es-ES" dirty="0"/>
           </a:p>
@@ -4707,6 +4794,410 @@
             <a:pPr rtl="0"/>
             <a:r>
               <a:rPr lang="es-ES" dirty="0"/>
+              <a:t>PHP</a:t>
+            </a:r>
+          </a:p>
+        </p:txBody>
+      </p:sp>
+      <p:sp>
+        <p:nvSpPr>
+          <p:cNvPr id="3" name="Marcador de posición de texto 2"/>
+          <p:cNvSpPr>
+            <a:spLocks noGrp="1"/>
+          </p:cNvSpPr>
+          <p:nvPr>
+            <p:ph type="body" idx="1"/>
+          </p:nvPr>
+        </p:nvSpPr>
+        <p:spPr>
+          <a:xfrm>
+            <a:off x="1271464" y="2060848"/>
+            <a:ext cx="9144000" cy="2232248"/>
+          </a:xfrm>
+        </p:spPr>
+        <p:txBody>
+          <a:bodyPr rtlCol="0">
+            <a:normAutofit/>
+          </a:bodyPr>
+          <a:lstStyle/>
+          <a:p>
+            <a:r>
+              <a:rPr lang="es-ES" sz="2400" dirty="0"/>
+              <a:t>PHP es el acrónimo de </a:t>
+            </a:r>
+            <a:r>
+              <a:rPr lang="es-ES" sz="2400" dirty="0" err="1"/>
+              <a:t>Hipertext</a:t>
+            </a:r>
+            <a:r>
+              <a:rPr lang="es-ES" sz="2400" dirty="0"/>
+              <a:t> </a:t>
+            </a:r>
+            <a:r>
+              <a:rPr lang="es-ES" sz="2400" dirty="0" err="1"/>
+              <a:t>Preprocesor</a:t>
+            </a:r>
+            <a:r>
+              <a:rPr lang="es-ES" sz="2400" dirty="0"/>
+              <a:t>. Es un lenguaje de programación del lado del servidor gratuito e independiente de plataforma, rápido, con una gran librería de funciones y mucha documentación.</a:t>
+            </a:r>
+          </a:p>
+        </p:txBody>
+      </p:sp>
+      <p:pic>
+        <p:nvPicPr>
+          <p:cNvPr id="4098" name="Picture 2" descr="Resultado de imagen para PHP">
+            <a:extLst>
+              <a:ext uri="{FF2B5EF4-FFF2-40B4-BE49-F238E27FC236}">
+                <a16:creationId xmlns:a16="http://schemas.microsoft.com/office/drawing/2014/main" id="{4D0A181D-5A88-45DE-B83A-995F92CD697D}"/>
+              </a:ext>
+            </a:extLst>
+          </p:cNvPr>
+          <p:cNvPicPr>
+            <a:picLocks noChangeAspect="1" noChangeArrowheads="1"/>
+          </p:cNvPicPr>
+          <p:nvPr/>
+        </p:nvPicPr>
+        <p:blipFill>
+          <a:blip r:embed="rId3">
+            <a:extLst>
+              <a:ext uri="{28A0092B-C50C-407E-A947-70E740481C1C}">
+                <a14:useLocalDpi xmlns:a14="http://schemas.microsoft.com/office/drawing/2010/main" val="0"/>
+              </a:ext>
+            </a:extLst>
+          </a:blip>
+          <a:srcRect/>
+          <a:stretch>
+            <a:fillRect/>
+          </a:stretch>
+        </p:blipFill>
+        <p:spPr bwMode="auto">
+          <a:xfrm>
+            <a:off x="8184232" y="3933056"/>
+            <a:ext cx="3192407" cy="2113409"/>
+          </a:xfrm>
+          <a:prstGeom prst="rect">
+            <a:avLst/>
+          </a:prstGeom>
+          <a:noFill/>
+          <a:extLst>
+            <a:ext uri="{909E8E84-426E-40DD-AFC4-6F175D3DCCD1}">
+              <a14:hiddenFill xmlns:a14="http://schemas.microsoft.com/office/drawing/2010/main">
+                <a:solidFill>
+                  <a:srgbClr val="FFFFFF"/>
+                </a:solidFill>
+              </a14:hiddenFill>
+            </a:ext>
+          </a:extLst>
+        </p:spPr>
+      </p:pic>
+      <p:pic>
+        <p:nvPicPr>
+          <p:cNvPr id="5" name="Picture 2" descr="Resultado de imagen para logo back png">
+            <a:hlinkClick r:id="rId4" action="ppaction://hlinksldjump"/>
+            <a:extLst>
+              <a:ext uri="{FF2B5EF4-FFF2-40B4-BE49-F238E27FC236}">
+                <a16:creationId xmlns:a16="http://schemas.microsoft.com/office/drawing/2014/main" id="{9FB90238-85CC-4A17-B0E5-0B4A9D3C357B}"/>
+              </a:ext>
+            </a:extLst>
+          </p:cNvPr>
+          <p:cNvPicPr>
+            <a:picLocks noChangeAspect="1" noChangeArrowheads="1"/>
+          </p:cNvPicPr>
+          <p:nvPr/>
+        </p:nvPicPr>
+        <p:blipFill>
+          <a:blip r:embed="rId5" cstate="print">
+            <a:extLst>
+              <a:ext uri="{28A0092B-C50C-407E-A947-70E740481C1C}">
+                <a14:useLocalDpi xmlns:a14="http://schemas.microsoft.com/office/drawing/2010/main" val="0"/>
+              </a:ext>
+            </a:extLst>
+          </a:blip>
+          <a:srcRect/>
+          <a:stretch>
+            <a:fillRect/>
+          </a:stretch>
+        </p:blipFill>
+        <p:spPr bwMode="auto">
+          <a:xfrm>
+            <a:off x="191344" y="5949280"/>
+            <a:ext cx="1372369" cy="686185"/>
+          </a:xfrm>
+          <a:prstGeom prst="rect">
+            <a:avLst/>
+          </a:prstGeom>
+          <a:noFill/>
+          <a:extLst>
+            <a:ext uri="{909E8E84-426E-40DD-AFC4-6F175D3DCCD1}">
+              <a14:hiddenFill xmlns:a14="http://schemas.microsoft.com/office/drawing/2010/main">
+                <a:solidFill>
+                  <a:srgbClr val="FFFFFF"/>
+                </a:solidFill>
+              </a14:hiddenFill>
+            </a:ext>
+          </a:extLst>
+        </p:spPr>
+      </p:pic>
+    </p:spTree>
+    <p:extLst>
+      <p:ext uri="{BB962C8B-B14F-4D97-AF65-F5344CB8AC3E}">
+        <p14:creationId xmlns:p14="http://schemas.microsoft.com/office/powerpoint/2010/main" val="1689243866"/>
+      </p:ext>
+    </p:extLst>
+  </p:cSld>
+  <p:clrMapOvr>
+    <a:masterClrMapping/>
+  </p:clrMapOvr>
+  <mc:AlternateContent xmlns:mc="http://schemas.openxmlformats.org/markup-compatibility/2006" xmlns:p14="http://schemas.microsoft.com/office/powerpoint/2010/main">
+    <mc:Choice Requires="p14">
+      <p:transition spd="slow" p14:dur="4000">
+        <p14:vortex dir="r"/>
+      </p:transition>
+    </mc:Choice>
+    <mc:Fallback xmlns="">
+      <p:transition spd="slow">
+        <p:fade/>
+      </p:transition>
+    </mc:Fallback>
+  </mc:AlternateContent>
+</p:sld>
+</file>
+
+<file path=ppt/slides/slide11.xml><?xml version="1.0" encoding="utf-8"?>
+<p:sld xmlns:a="http://schemas.openxmlformats.org/drawingml/2006/main" xmlns:r="http://schemas.openxmlformats.org/officeDocument/2006/relationships" xmlns:p="http://schemas.openxmlformats.org/presentationml/2006/main">
+  <p:cSld>
+    <p:spTree>
+      <p:nvGrpSpPr>
+        <p:cNvPr id="1" name=""/>
+        <p:cNvGrpSpPr/>
+        <p:nvPr/>
+      </p:nvGrpSpPr>
+      <p:grpSpPr>
+        <a:xfrm>
+          <a:off x="0" y="0"/>
+          <a:ext cx="0" cy="0"/>
+          <a:chOff x="0" y="0"/>
+          <a:chExt cx="0" cy="0"/>
+        </a:xfrm>
+      </p:grpSpPr>
+      <p:sp>
+        <p:nvSpPr>
+          <p:cNvPr id="2" name="Título 1"/>
+          <p:cNvSpPr>
+            <a:spLocks noGrp="1"/>
+          </p:cNvSpPr>
+          <p:nvPr>
+            <p:ph type="title"/>
+          </p:nvPr>
+        </p:nvSpPr>
+        <p:spPr>
+          <a:xfrm>
+            <a:off x="1271464" y="-169540"/>
+            <a:ext cx="9144000" cy="1863080"/>
+          </a:xfrm>
+        </p:spPr>
+        <p:txBody>
+          <a:bodyPr rtlCol="0"/>
+          <a:lstStyle/>
+          <a:p>
+            <a:pPr rtl="0"/>
+            <a:r>
+              <a:rPr lang="es-ES" dirty="0"/>
+              <a:t>MYSQL</a:t>
+            </a:r>
+          </a:p>
+        </p:txBody>
+      </p:sp>
+      <p:sp>
+        <p:nvSpPr>
+          <p:cNvPr id="3" name="Marcador de posición de texto 2"/>
+          <p:cNvSpPr>
+            <a:spLocks noGrp="1"/>
+          </p:cNvSpPr>
+          <p:nvPr>
+            <p:ph type="body" idx="1"/>
+          </p:nvPr>
+        </p:nvSpPr>
+        <p:spPr>
+          <a:xfrm>
+            <a:off x="1271464" y="2060848"/>
+            <a:ext cx="9144000" cy="2232248"/>
+          </a:xfrm>
+        </p:spPr>
+        <p:txBody>
+          <a:bodyPr rtlCol="0">
+            <a:normAutofit/>
+          </a:bodyPr>
+          <a:lstStyle/>
+          <a:p>
+            <a:r>
+              <a:rPr lang="es-ES" sz="2400" dirty="0"/>
+              <a:t>MySQL es un sistema de gestión de base de datos relacional (RDBMS) de código abierto, basado en lenguaje de consulta estructurado (SQL).</a:t>
+            </a:r>
+          </a:p>
+        </p:txBody>
+      </p:sp>
+      <p:pic>
+        <p:nvPicPr>
+          <p:cNvPr id="5122" name="Picture 2" descr="Resultado de imagen para mysql">
+            <a:extLst>
+              <a:ext uri="{FF2B5EF4-FFF2-40B4-BE49-F238E27FC236}">
+                <a16:creationId xmlns:a16="http://schemas.microsoft.com/office/drawing/2014/main" id="{1AFD3212-2AB3-474F-B9DB-B67AF756DA00}"/>
+              </a:ext>
+            </a:extLst>
+          </p:cNvPr>
+          <p:cNvPicPr>
+            <a:picLocks noChangeAspect="1" noChangeArrowheads="1"/>
+          </p:cNvPicPr>
+          <p:nvPr/>
+        </p:nvPicPr>
+        <p:blipFill>
+          <a:blip r:embed="rId3">
+            <a:extLst>
+              <a:ext uri="{28A0092B-C50C-407E-A947-70E740481C1C}">
+                <a14:useLocalDpi xmlns:a14="http://schemas.microsoft.com/office/drawing/2010/main" val="0"/>
+              </a:ext>
+            </a:extLst>
+          </a:blip>
+          <a:srcRect/>
+          <a:stretch>
+            <a:fillRect/>
+          </a:stretch>
+        </p:blipFill>
+        <p:spPr bwMode="auto">
+          <a:xfrm>
+            <a:off x="6384032" y="2708920"/>
+            <a:ext cx="5334000" cy="3524250"/>
+          </a:xfrm>
+          <a:prstGeom prst="rect">
+            <a:avLst/>
+          </a:prstGeom>
+          <a:noFill/>
+          <a:extLst>
+            <a:ext uri="{909E8E84-426E-40DD-AFC4-6F175D3DCCD1}">
+              <a14:hiddenFill xmlns:a14="http://schemas.microsoft.com/office/drawing/2010/main">
+                <a:solidFill>
+                  <a:srgbClr val="FFFFFF"/>
+                </a:solidFill>
+              </a14:hiddenFill>
+            </a:ext>
+          </a:extLst>
+        </p:spPr>
+      </p:pic>
+      <p:pic>
+        <p:nvPicPr>
+          <p:cNvPr id="5" name="Picture 2" descr="Resultado de imagen para logo back png">
+            <a:hlinkClick r:id="rId4" action="ppaction://hlinksldjump"/>
+            <a:extLst>
+              <a:ext uri="{FF2B5EF4-FFF2-40B4-BE49-F238E27FC236}">
+                <a16:creationId xmlns:a16="http://schemas.microsoft.com/office/drawing/2014/main" id="{45D9777B-B1BC-4E14-8FF2-C8485E8D7146}"/>
+              </a:ext>
+            </a:extLst>
+          </p:cNvPr>
+          <p:cNvPicPr>
+            <a:picLocks noChangeAspect="1" noChangeArrowheads="1"/>
+          </p:cNvPicPr>
+          <p:nvPr/>
+        </p:nvPicPr>
+        <p:blipFill>
+          <a:blip r:embed="rId5" cstate="print">
+            <a:extLst>
+              <a:ext uri="{28A0092B-C50C-407E-A947-70E740481C1C}">
+                <a14:useLocalDpi xmlns:a14="http://schemas.microsoft.com/office/drawing/2010/main" val="0"/>
+              </a:ext>
+            </a:extLst>
+          </a:blip>
+          <a:srcRect/>
+          <a:stretch>
+            <a:fillRect/>
+          </a:stretch>
+        </p:blipFill>
+        <p:spPr bwMode="auto">
+          <a:xfrm>
+            <a:off x="191344" y="5949280"/>
+            <a:ext cx="1372369" cy="686185"/>
+          </a:xfrm>
+          <a:prstGeom prst="rect">
+            <a:avLst/>
+          </a:prstGeom>
+          <a:noFill/>
+          <a:extLst>
+            <a:ext uri="{909E8E84-426E-40DD-AFC4-6F175D3DCCD1}">
+              <a14:hiddenFill xmlns:a14="http://schemas.microsoft.com/office/drawing/2010/main">
+                <a:solidFill>
+                  <a:srgbClr val="FFFFFF"/>
+                </a:solidFill>
+              </a14:hiddenFill>
+            </a:ext>
+          </a:extLst>
+        </p:spPr>
+      </p:pic>
+    </p:spTree>
+    <p:extLst>
+      <p:ext uri="{BB962C8B-B14F-4D97-AF65-F5344CB8AC3E}">
+        <p14:creationId xmlns:p14="http://schemas.microsoft.com/office/powerpoint/2010/main" val="3001190284"/>
+      </p:ext>
+    </p:extLst>
+  </p:cSld>
+  <p:clrMapOvr>
+    <a:masterClrMapping/>
+  </p:clrMapOvr>
+  <mc:AlternateContent xmlns:mc="http://schemas.openxmlformats.org/markup-compatibility/2006" xmlns:p159="http://schemas.microsoft.com/office/powerpoint/2015/09/main">
+    <mc:Choice Requires="p159">
+      <p:transition xmlns:p14="http://schemas.microsoft.com/office/powerpoint/2010/main" spd="slow" p14:dur="2000">
+        <p159:morph option="byObject"/>
+      </p:transition>
+    </mc:Choice>
+    <mc:Fallback xmlns="">
+      <p:transition spd="slow">
+        <p:fade/>
+      </p:transition>
+    </mc:Fallback>
+  </mc:AlternateContent>
+</p:sld>
+</file>
+
+<file path=ppt/slides/slide12.xml><?xml version="1.0" encoding="utf-8"?>
+<p:sld xmlns:a="http://schemas.openxmlformats.org/drawingml/2006/main" xmlns:r="http://schemas.openxmlformats.org/officeDocument/2006/relationships" xmlns:p="http://schemas.openxmlformats.org/presentationml/2006/main">
+  <p:cSld>
+    <p:spTree>
+      <p:nvGrpSpPr>
+        <p:cNvPr id="1" name=""/>
+        <p:cNvGrpSpPr/>
+        <p:nvPr/>
+      </p:nvGrpSpPr>
+      <p:grpSpPr>
+        <a:xfrm>
+          <a:off x="0" y="0"/>
+          <a:ext cx="0" cy="0"/>
+          <a:chOff x="0" y="0"/>
+          <a:chExt cx="0" cy="0"/>
+        </a:xfrm>
+      </p:grpSpPr>
+      <p:sp>
+        <p:nvSpPr>
+          <p:cNvPr id="2" name="Título 1"/>
+          <p:cNvSpPr>
+            <a:spLocks noGrp="1"/>
+          </p:cNvSpPr>
+          <p:nvPr>
+            <p:ph type="title"/>
+          </p:nvPr>
+        </p:nvSpPr>
+        <p:spPr>
+          <a:xfrm>
+            <a:off x="1271464" y="-169540"/>
+            <a:ext cx="9144000" cy="1863080"/>
+          </a:xfrm>
+        </p:spPr>
+        <p:txBody>
+          <a:bodyPr rtlCol="0"/>
+          <a:lstStyle/>
+          <a:p>
+            <a:pPr rtl="0"/>
+            <a:r>
+              <a:rPr lang="es-ES" dirty="0"/>
               <a:t>BYETHOST</a:t>
             </a:r>
           </a:p>
@@ -4845,13 +5336,13 @@
   <p:clrMapOvr>
     <a:masterClrMapping/>
   </p:clrMapOvr>
-  <mc:AlternateContent xmlns:mc="http://schemas.openxmlformats.org/markup-compatibility/2006">
-    <mc:Choice xmlns:p159="http://schemas.microsoft.com/office/powerpoint/2015/09/main" Requires="p159">
+  <mc:AlternateContent xmlns:mc="http://schemas.openxmlformats.org/markup-compatibility/2006" xmlns:p159="http://schemas.microsoft.com/office/powerpoint/2015/09/main">
+    <mc:Choice Requires="p159">
       <p:transition xmlns:p14="http://schemas.microsoft.com/office/powerpoint/2010/main" spd="slow" p14:dur="2000">
         <p159:morph option="byObject"/>
       </p:transition>
     </mc:Choice>
-    <mc:Fallback>
+    <mc:Fallback xmlns="">
       <p:transition spd="slow">
         <p:fade/>
       </p:transition>
@@ -4860,7 +5351,7 @@
 </p:sld>
 </file>
 
-<file path=ppt/slides/slide11.xml><?xml version="1.0" encoding="utf-8"?>
+<file path=ppt/slides/slide13.xml><?xml version="1.0" encoding="utf-8"?>
 <p:sld xmlns:a="http://schemas.openxmlformats.org/drawingml/2006/main" xmlns:r="http://schemas.openxmlformats.org/officeDocument/2006/relationships" xmlns:p="http://schemas.openxmlformats.org/presentationml/2006/main">
   <p:cSld>
     <p:spTree>
@@ -5033,6 +5524,54 @@
           </a:extLst>
         </p:spPr>
       </p:pic>
+      <p:pic>
+        <p:nvPicPr>
+          <p:cNvPr id="5" name="Picture 2" descr="Resultado de imagen para logo back png">
+            <a:hlinkClick r:id="rId4" action="ppaction://hlinksldjump"/>
+            <a:extLst>
+              <a:ext uri="{FF2B5EF4-FFF2-40B4-BE49-F238E27FC236}">
+                <a16:creationId xmlns:a16="http://schemas.microsoft.com/office/drawing/2014/main" id="{E8E96ADC-D7AE-41BD-9AF8-A56CF55A81BC}"/>
+              </a:ext>
+            </a:extLst>
+          </p:cNvPr>
+          <p:cNvPicPr>
+            <a:picLocks noChangeAspect="1" noChangeArrowheads="1"/>
+          </p:cNvPicPr>
+          <p:nvPr/>
+        </p:nvPicPr>
+        <p:blipFill>
+          <a:blip r:embed="rId5" cstate="print">
+            <a:extLst>
+              <a:ext uri="{28A0092B-C50C-407E-A947-70E740481C1C}">
+                <a14:useLocalDpi xmlns:a14="http://schemas.microsoft.com/office/drawing/2010/main" val="0"/>
+              </a:ext>
+            </a:extLst>
+          </a:blip>
+          <a:srcRect/>
+          <a:stretch>
+            <a:fillRect/>
+          </a:stretch>
+        </p:blipFill>
+        <p:spPr bwMode="auto">
+          <a:xfrm>
+            <a:off x="191344" y="5949280"/>
+            <a:ext cx="1372369" cy="686185"/>
+          </a:xfrm>
+          <a:prstGeom prst="rect">
+            <a:avLst/>
+          </a:prstGeom>
+          <a:noFill/>
+          <a:extLst>
+            <a:ext uri="{909E8E84-426E-40DD-AFC4-6F175D3DCCD1}">
+              <a14:hiddenFill xmlns:a14="http://schemas.microsoft.com/office/drawing/2010/main">
+                <a:solidFill>
+                  <a:srgbClr val="FFFFFF"/>
+                </a:solidFill>
+              </a14:hiddenFill>
+            </a:ext>
+          </a:extLst>
+        </p:spPr>
+      </p:pic>
     </p:spTree>
     <p:extLst>
       <p:ext uri="{BB962C8B-B14F-4D97-AF65-F5344CB8AC3E}">
@@ -5043,13 +5582,13 @@
   <p:clrMapOvr>
     <a:masterClrMapping/>
   </p:clrMapOvr>
-  <mc:AlternateContent xmlns:mc="http://schemas.openxmlformats.org/markup-compatibility/2006">
-    <mc:Choice xmlns:p14="http://schemas.microsoft.com/office/powerpoint/2010/main" Requires="p14">
+  <mc:AlternateContent xmlns:mc="http://schemas.openxmlformats.org/markup-compatibility/2006" xmlns:p14="http://schemas.microsoft.com/office/powerpoint/2010/main">
+    <mc:Choice Requires="p14">
       <p:transition spd="slow" p14:dur="1400">
         <p14:doors dir="vert"/>
       </p:transition>
     </mc:Choice>
-    <mc:Fallback>
+    <mc:Fallback xmlns="">
       <p:transition spd="slow">
         <p:fade/>
       </p:transition>
@@ -5058,7 +5597,7 @@
 </p:sld>
 </file>
 
-<file path=ppt/slides/slide12.xml><?xml version="1.0" encoding="utf-8"?>
+<file path=ppt/slides/slide14.xml><?xml version="1.0" encoding="utf-8"?>
 <p:sld xmlns:a="http://schemas.openxmlformats.org/drawingml/2006/main" xmlns:r="http://schemas.openxmlformats.org/officeDocument/2006/relationships" xmlns:p="http://schemas.openxmlformats.org/presentationml/2006/main">
   <p:cSld>
     <p:spTree>
@@ -5085,7 +5624,12 @@
             <p:ph type="title"/>
           </p:nvPr>
         </p:nvSpPr>
-        <p:spPr/>
+        <p:spPr>
+          <a:xfrm>
+            <a:off x="1271464" y="-169540"/>
+            <a:ext cx="9144000" cy="1863080"/>
+          </a:xfrm>
+        </p:spPr>
         <p:txBody>
           <a:bodyPr rtlCol="0"/>
           <a:lstStyle/>
@@ -5093,62 +5637,154 @@
             <a:pPr rtl="0"/>
             <a:r>
               <a:rPr lang="es-ES" dirty="0"/>
-              <a:t>PRUEBA</a:t>
+              <a:t>WEBSTORM JETBRAINS</a:t>
+            </a:r>
+          </a:p>
+        </p:txBody>
+      </p:sp>
+      <p:sp>
+        <p:nvSpPr>
+          <p:cNvPr id="3" name="Marcador de posición de texto 2"/>
+          <p:cNvSpPr>
+            <a:spLocks noGrp="1"/>
+          </p:cNvSpPr>
+          <p:nvPr>
+            <p:ph type="body" idx="1"/>
+          </p:nvPr>
+        </p:nvSpPr>
+        <p:spPr>
+          <a:xfrm>
+            <a:off x="1271464" y="1693540"/>
+            <a:ext cx="9144000" cy="2448272"/>
+          </a:xfrm>
+        </p:spPr>
+        <p:txBody>
+          <a:bodyPr rtlCol="0">
+            <a:normAutofit/>
+          </a:bodyPr>
+          <a:lstStyle/>
+          <a:p>
+            <a:r>
+              <a:rPr lang="es-ES" sz="2400" dirty="0"/>
+              <a:t>Es un IDE de Desarrollo que permite hacer diversos tipos de proyectos , es mas especializado en JavaScript y es de pago.</a:t>
             </a:r>
           </a:p>
         </p:txBody>
       </p:sp>
       <p:pic>
         <p:nvPicPr>
-          <p:cNvPr id="5" name="Marcador de contenido 4">
+          <p:cNvPr id="2052" name="Picture 4" descr="Imagen relacionada">
             <a:extLst>
               <a:ext uri="{FF2B5EF4-FFF2-40B4-BE49-F238E27FC236}">
-                <a16:creationId xmlns:a16="http://schemas.microsoft.com/office/drawing/2014/main" id="{C43D5A4B-665D-4BF2-8A79-19F1C13F1DB8}"/>
+                <a16:creationId xmlns:a16="http://schemas.microsoft.com/office/drawing/2014/main" id="{25A96C51-CF96-4696-8F59-BC2970A3181E}"/>
               </a:ext>
             </a:extLst>
           </p:cNvPr>
           <p:cNvPicPr>
-            <a:picLocks noGrp="1" noChangeAspect="1"/>
+            <a:picLocks noChangeAspect="1" noChangeArrowheads="1"/>
           </p:cNvPicPr>
-          <p:nvPr>
-            <p:ph idx="1"/>
-          </p:nvPr>
+          <p:nvPr/>
         </p:nvPicPr>
         <p:blipFill>
-          <a:blip r:embed="rId3"/>
+          <a:blip r:embed="rId3">
+            <a:extLst>
+              <a:ext uri="{28A0092B-C50C-407E-A947-70E740481C1C}">
+                <a14:useLocalDpi xmlns:a14="http://schemas.microsoft.com/office/drawing/2010/main" val="0"/>
+              </a:ext>
+            </a:extLst>
+          </a:blip>
+          <a:srcRect/>
           <a:stretch>
             <a:fillRect/>
           </a:stretch>
         </p:blipFill>
-        <p:spPr>
+        <p:spPr bwMode="auto">
           <a:xfrm>
-            <a:off x="760413" y="1643925"/>
-            <a:ext cx="6400800" cy="3570150"/>
+            <a:off x="9984432" y="4437112"/>
+            <a:ext cx="2057400" cy="2228850"/>
           </a:xfrm>
           <a:prstGeom prst="rect">
             <a:avLst/>
           </a:prstGeom>
+          <a:noFill/>
+          <a:extLst>
+            <a:ext uri="{909E8E84-426E-40DD-AFC4-6F175D3DCCD1}">
+              <a14:hiddenFill xmlns:a14="http://schemas.microsoft.com/office/drawing/2010/main">
+                <a:solidFill>
+                  <a:srgbClr val="FFFFFF"/>
+                </a:solidFill>
+              </a14:hiddenFill>
+            </a:ext>
+          </a:extLst>
+        </p:spPr>
+      </p:pic>
+      <p:pic>
+        <p:nvPicPr>
+          <p:cNvPr id="7" name="Picture 2" descr="Resultado de imagen para logo back png">
+            <a:hlinkClick r:id="rId4" action="ppaction://hlinksldjump"/>
+            <a:extLst>
+              <a:ext uri="{FF2B5EF4-FFF2-40B4-BE49-F238E27FC236}">
+                <a16:creationId xmlns:a16="http://schemas.microsoft.com/office/drawing/2014/main" id="{A3B68DDC-0B2F-437B-9C88-4907F87A1B24}"/>
+              </a:ext>
+            </a:extLst>
+          </p:cNvPr>
+          <p:cNvPicPr>
+            <a:picLocks noChangeAspect="1" noChangeArrowheads="1"/>
+          </p:cNvPicPr>
+          <p:nvPr/>
+        </p:nvPicPr>
+        <p:blipFill>
+          <a:blip r:embed="rId5" cstate="print">
+            <a:extLst>
+              <a:ext uri="{28A0092B-C50C-407E-A947-70E740481C1C}">
+                <a14:useLocalDpi xmlns:a14="http://schemas.microsoft.com/office/drawing/2010/main" val="0"/>
+              </a:ext>
+            </a:extLst>
+          </a:blip>
+          <a:srcRect/>
+          <a:stretch>
+            <a:fillRect/>
+          </a:stretch>
+        </p:blipFill>
+        <p:spPr bwMode="auto">
+          <a:xfrm>
+            <a:off x="191344" y="5949280"/>
+            <a:ext cx="1372369" cy="686185"/>
+          </a:xfrm>
+          <a:prstGeom prst="rect">
+            <a:avLst/>
+          </a:prstGeom>
+          <a:noFill/>
+          <a:extLst>
+            <a:ext uri="{909E8E84-426E-40DD-AFC4-6F175D3DCCD1}">
+              <a14:hiddenFill xmlns:a14="http://schemas.microsoft.com/office/drawing/2010/main">
+                <a:solidFill>
+                  <a:srgbClr val="FFFFFF"/>
+                </a:solidFill>
+              </a14:hiddenFill>
+            </a:ext>
+          </a:extLst>
         </p:spPr>
       </p:pic>
     </p:spTree>
     <p:extLst>
       <p:ext uri="{BB962C8B-B14F-4D97-AF65-F5344CB8AC3E}">
-        <p14:creationId xmlns:p14="http://schemas.microsoft.com/office/powerpoint/2010/main" val="3232560146"/>
+        <p14:creationId xmlns:p14="http://schemas.microsoft.com/office/powerpoint/2010/main" val="2983020980"/>
       </p:ext>
     </p:extLst>
   </p:cSld>
   <p:clrMapOvr>
     <a:masterClrMapping/>
   </p:clrMapOvr>
-  <mc:AlternateContent xmlns:mc="http://schemas.openxmlformats.org/markup-compatibility/2006">
-    <mc:Choice xmlns:p14="http://schemas.microsoft.com/office/powerpoint/2010/main" Requires="p14">
-      <p:transition spd="slow" p14:dur="1500">
-        <p:random/>
+  <mc:AlternateContent xmlns:mc="http://schemas.openxmlformats.org/markup-compatibility/2006" xmlns:p14="http://schemas.microsoft.com/office/powerpoint/2010/main">
+    <mc:Choice Requires="p14">
+      <p:transition spd="slow" p14:dur="1400">
+        <p14:doors dir="vert"/>
       </p:transition>
     </mc:Choice>
-    <mc:Fallback>
+    <mc:Fallback xmlns="">
       <p:transition spd="slow">
-        <p:random/>
+        <p:fade/>
       </p:transition>
     </mc:Fallback>
   </mc:AlternateContent>
@@ -5271,13 +5907,13 @@
   <p:clrMapOvr>
     <a:masterClrMapping/>
   </p:clrMapOvr>
-  <mc:AlternateContent xmlns:mc="http://schemas.openxmlformats.org/markup-compatibility/2006">
-    <mc:Choice xmlns:p14="http://schemas.microsoft.com/office/powerpoint/2010/main" Requires="p14">
+  <mc:AlternateContent xmlns:mc="http://schemas.openxmlformats.org/markup-compatibility/2006" xmlns:p14="http://schemas.microsoft.com/office/powerpoint/2010/main">
+    <mc:Choice Requires="p14">
       <p:transition spd="slow" p14:dur="3400">
         <p14:reveal/>
       </p:transition>
     </mc:Choice>
-    <mc:Fallback>
+    <mc:Fallback xmlns="">
       <p:transition spd="slow">
         <p:fade/>
       </p:transition>
@@ -5305,6 +5941,532 @@
       </p:grpSpPr>
       <p:sp>
         <p:nvSpPr>
+          <p:cNvPr id="2" name="Título 1"/>
+          <p:cNvSpPr>
+            <a:spLocks noGrp="1"/>
+          </p:cNvSpPr>
+          <p:nvPr>
+            <p:ph type="title"/>
+          </p:nvPr>
+        </p:nvSpPr>
+        <p:spPr/>
+        <p:txBody>
+          <a:bodyPr rtlCol="0"/>
+          <a:lstStyle/>
+          <a:p>
+            <a:pPr rtl="0"/>
+            <a:r>
+              <a:rPr lang="es-ES" dirty="0"/>
+              <a:t>LAGER-SHOP</a:t>
+            </a:r>
+          </a:p>
+        </p:txBody>
+      </p:sp>
+      <p:pic>
+        <p:nvPicPr>
+          <p:cNvPr id="5" name="Marcador de contenido 4">
+            <a:extLst>
+              <a:ext uri="{FF2B5EF4-FFF2-40B4-BE49-F238E27FC236}">
+                <a16:creationId xmlns:a16="http://schemas.microsoft.com/office/drawing/2014/main" id="{C43D5A4B-665D-4BF2-8A79-19F1C13F1DB8}"/>
+              </a:ext>
+            </a:extLst>
+          </p:cNvPr>
+          <p:cNvPicPr>
+            <a:picLocks noGrp="1" noChangeAspect="1"/>
+          </p:cNvPicPr>
+          <p:nvPr>
+            <p:ph idx="1"/>
+          </p:nvPr>
+        </p:nvPicPr>
+        <p:blipFill>
+          <a:blip r:embed="rId3"/>
+          <a:stretch>
+            <a:fillRect/>
+          </a:stretch>
+        </p:blipFill>
+        <p:spPr>
+          <a:xfrm>
+            <a:off x="760413" y="1643925"/>
+            <a:ext cx="6400800" cy="3570150"/>
+          </a:xfrm>
+          <a:prstGeom prst="rect">
+            <a:avLst/>
+          </a:prstGeom>
+        </p:spPr>
+      </p:pic>
+    </p:spTree>
+    <p:extLst>
+      <p:ext uri="{BB962C8B-B14F-4D97-AF65-F5344CB8AC3E}">
+        <p14:creationId xmlns:p14="http://schemas.microsoft.com/office/powerpoint/2010/main" val="3232560146"/>
+      </p:ext>
+    </p:extLst>
+  </p:cSld>
+  <p:clrMapOvr>
+    <a:masterClrMapping/>
+  </p:clrMapOvr>
+  <mc:AlternateContent xmlns:mc="http://schemas.openxmlformats.org/markup-compatibility/2006" xmlns:p14="http://schemas.microsoft.com/office/powerpoint/2010/main">
+    <mc:Choice Requires="p14">
+      <p:transition spd="slow" p14:dur="1500">
+        <p:random/>
+      </p:transition>
+    </mc:Choice>
+    <mc:Fallback xmlns="">
+      <p:transition spd="slow">
+        <p:random/>
+      </p:transition>
+    </mc:Fallback>
+  </mc:AlternateContent>
+</p:sld>
+</file>
+
+<file path=ppt/slides/slide4.xml><?xml version="1.0" encoding="utf-8"?>
+<p:sld xmlns:a="http://schemas.openxmlformats.org/drawingml/2006/main" xmlns:r="http://schemas.openxmlformats.org/officeDocument/2006/relationships" xmlns:p="http://schemas.openxmlformats.org/presentationml/2006/main">
+  <p:cSld>
+    <p:spTree>
+      <p:nvGrpSpPr>
+        <p:cNvPr id="1" name=""/>
+        <p:cNvGrpSpPr/>
+        <p:nvPr/>
+      </p:nvGrpSpPr>
+      <p:grpSpPr>
+        <a:xfrm>
+          <a:off x="0" y="0"/>
+          <a:ext cx="0" cy="0"/>
+          <a:chOff x="0" y="0"/>
+          <a:chExt cx="0" cy="0"/>
+        </a:xfrm>
+      </p:grpSpPr>
+      <p:sp>
+        <p:nvSpPr>
+          <p:cNvPr id="2" name="Título 1">
+            <a:extLst>
+              <a:ext uri="{FF2B5EF4-FFF2-40B4-BE49-F238E27FC236}">
+                <a16:creationId xmlns:a16="http://schemas.microsoft.com/office/drawing/2014/main" id="{0262F43F-1541-4014-99DE-FB9E13EAD297}"/>
+              </a:ext>
+            </a:extLst>
+          </p:cNvPr>
+          <p:cNvSpPr>
+            <a:spLocks noGrp="1"/>
+          </p:cNvSpPr>
+          <p:nvPr>
+            <p:ph type="title"/>
+          </p:nvPr>
+        </p:nvSpPr>
+        <p:spPr/>
+        <p:txBody>
+          <a:bodyPr/>
+          <a:lstStyle/>
+          <a:p>
+            <a:r>
+              <a:rPr lang="es-ES" dirty="0"/>
+              <a:t>HERRAMIENTAS NECESARIAS:</a:t>
+            </a:r>
+            <a:br>
+              <a:rPr lang="es-ES" dirty="0"/>
+            </a:br>
+            <a:endParaRPr lang="es-ES" dirty="0"/>
+          </a:p>
+        </p:txBody>
+      </p:sp>
+      <p:pic>
+        <p:nvPicPr>
+          <p:cNvPr id="4" name="Picture 2" descr="Resultado de imagen para javascript">
+            <a:hlinkClick r:id="rId2" action="ppaction://hlinksldjump"/>
+            <a:extLst>
+              <a:ext uri="{FF2B5EF4-FFF2-40B4-BE49-F238E27FC236}">
+                <a16:creationId xmlns:a16="http://schemas.microsoft.com/office/drawing/2014/main" id="{81442750-F74E-4498-A505-7ADABD30C8E2}"/>
+              </a:ext>
+            </a:extLst>
+          </p:cNvPr>
+          <p:cNvPicPr>
+            <a:picLocks noChangeAspect="1" noChangeArrowheads="1"/>
+          </p:cNvPicPr>
+          <p:nvPr/>
+        </p:nvPicPr>
+        <p:blipFill>
+          <a:blip r:embed="rId3" cstate="print">
+            <a:extLst>
+              <a:ext uri="{28A0092B-C50C-407E-A947-70E740481C1C}">
+                <a14:useLocalDpi xmlns:a14="http://schemas.microsoft.com/office/drawing/2010/main" val="0"/>
+              </a:ext>
+            </a:extLst>
+          </a:blip>
+          <a:srcRect/>
+          <a:stretch>
+            <a:fillRect/>
+          </a:stretch>
+        </p:blipFill>
+        <p:spPr bwMode="auto">
+          <a:xfrm>
+            <a:off x="839416" y="1124744"/>
+            <a:ext cx="2016224" cy="2016224"/>
+          </a:xfrm>
+          <a:prstGeom prst="rect">
+            <a:avLst/>
+          </a:prstGeom>
+          <a:noFill/>
+          <a:extLst>
+            <a:ext uri="{909E8E84-426E-40DD-AFC4-6F175D3DCCD1}">
+              <a14:hiddenFill xmlns:a14="http://schemas.microsoft.com/office/drawing/2010/main">
+                <a:solidFill>
+                  <a:srgbClr val="FFFFFF"/>
+                </a:solidFill>
+              </a14:hiddenFill>
+            </a:ext>
+          </a:extLst>
+        </p:spPr>
+      </p:pic>
+      <p:pic>
+        <p:nvPicPr>
+          <p:cNvPr id="5" name="Picture 4" descr="Resultado de imagen para html">
+            <a:hlinkClick r:id="rId4" action="ppaction://hlinksldjump"/>
+            <a:extLst>
+              <a:ext uri="{FF2B5EF4-FFF2-40B4-BE49-F238E27FC236}">
+                <a16:creationId xmlns:a16="http://schemas.microsoft.com/office/drawing/2014/main" id="{64A29FC0-9FA7-43DD-AAFF-62A69BD345A8}"/>
+              </a:ext>
+            </a:extLst>
+          </p:cNvPr>
+          <p:cNvPicPr>
+            <a:picLocks noChangeAspect="1" noChangeArrowheads="1"/>
+          </p:cNvPicPr>
+          <p:nvPr/>
+        </p:nvPicPr>
+        <p:blipFill>
+          <a:blip r:embed="rId5" cstate="print">
+            <a:extLst>
+              <a:ext uri="{28A0092B-C50C-407E-A947-70E740481C1C}">
+                <a14:useLocalDpi xmlns:a14="http://schemas.microsoft.com/office/drawing/2010/main" val="0"/>
+              </a:ext>
+            </a:extLst>
+          </a:blip>
+          <a:srcRect/>
+          <a:stretch>
+            <a:fillRect/>
+          </a:stretch>
+        </p:blipFill>
+        <p:spPr bwMode="auto">
+          <a:xfrm rot="18541350">
+            <a:off x="3425821" y="1849459"/>
+            <a:ext cx="1992377" cy="1403720"/>
+          </a:xfrm>
+          <a:prstGeom prst="rect">
+            <a:avLst/>
+          </a:prstGeom>
+          <a:noFill/>
+          <a:extLst>
+            <a:ext uri="{909E8E84-426E-40DD-AFC4-6F175D3DCCD1}">
+              <a14:hiddenFill xmlns:a14="http://schemas.microsoft.com/office/drawing/2010/main">
+                <a:solidFill>
+                  <a:srgbClr val="FFFFFF"/>
+                </a:solidFill>
+              </a14:hiddenFill>
+            </a:ext>
+          </a:extLst>
+        </p:spPr>
+      </p:pic>
+      <p:pic>
+        <p:nvPicPr>
+          <p:cNvPr id="7" name="Imagen 6">
+            <a:hlinkClick r:id="rId6" action="ppaction://hlinksldjump"/>
+            <a:extLst>
+              <a:ext uri="{FF2B5EF4-FFF2-40B4-BE49-F238E27FC236}">
+                <a16:creationId xmlns:a16="http://schemas.microsoft.com/office/drawing/2014/main" id="{282E087D-3EAA-46CC-BF50-AD8F691B41F2}"/>
+              </a:ext>
+            </a:extLst>
+          </p:cNvPr>
+          <p:cNvPicPr>
+            <a:picLocks noChangeAspect="1"/>
+          </p:cNvPicPr>
+          <p:nvPr/>
+        </p:nvPicPr>
+        <p:blipFill>
+          <a:blip r:embed="rId7"/>
+          <a:stretch>
+            <a:fillRect/>
+          </a:stretch>
+        </p:blipFill>
+        <p:spPr>
+          <a:xfrm>
+            <a:off x="9594133" y="4458333"/>
+            <a:ext cx="2147734" cy="1803761"/>
+          </a:xfrm>
+          <a:prstGeom prst="rect">
+            <a:avLst/>
+          </a:prstGeom>
+        </p:spPr>
+      </p:pic>
+      <p:pic>
+        <p:nvPicPr>
+          <p:cNvPr id="1026" name="Picture 2" descr="Resultado de imagen para php">
+            <a:hlinkClick r:id="rId8" action="ppaction://hlinksldjump"/>
+            <a:extLst>
+              <a:ext uri="{FF2B5EF4-FFF2-40B4-BE49-F238E27FC236}">
+                <a16:creationId xmlns:a16="http://schemas.microsoft.com/office/drawing/2014/main" id="{179DA69D-1569-4F17-BB60-30B40F52E811}"/>
+              </a:ext>
+            </a:extLst>
+          </p:cNvPr>
+          <p:cNvPicPr>
+            <a:picLocks noChangeAspect="1" noChangeArrowheads="1"/>
+          </p:cNvPicPr>
+          <p:nvPr/>
+        </p:nvPicPr>
+        <p:blipFill>
+          <a:blip r:embed="rId9" cstate="print">
+            <a:extLst>
+              <a:ext uri="{28A0092B-C50C-407E-A947-70E740481C1C}">
+                <a14:useLocalDpi xmlns:a14="http://schemas.microsoft.com/office/drawing/2010/main" val="0"/>
+              </a:ext>
+            </a:extLst>
+          </a:blip>
+          <a:srcRect/>
+          <a:stretch>
+            <a:fillRect/>
+          </a:stretch>
+        </p:blipFill>
+        <p:spPr bwMode="auto">
+          <a:xfrm rot="875952">
+            <a:off x="5965915" y="1289524"/>
+            <a:ext cx="2757321" cy="1825377"/>
+          </a:xfrm>
+          <a:prstGeom prst="rect">
+            <a:avLst/>
+          </a:prstGeom>
+          <a:noFill/>
+          <a:extLst>
+            <a:ext uri="{909E8E84-426E-40DD-AFC4-6F175D3DCCD1}">
+              <a14:hiddenFill xmlns:a14="http://schemas.microsoft.com/office/drawing/2010/main">
+                <a:solidFill>
+                  <a:srgbClr val="FFFFFF"/>
+                </a:solidFill>
+              </a14:hiddenFill>
+            </a:ext>
+          </a:extLst>
+        </p:spPr>
+      </p:pic>
+      <p:pic>
+        <p:nvPicPr>
+          <p:cNvPr id="1034" name="Picture 10" descr="Imagen relacionada">
+            <a:hlinkClick r:id="rId10" action="ppaction://hlinksldjump"/>
+            <a:extLst>
+              <a:ext uri="{FF2B5EF4-FFF2-40B4-BE49-F238E27FC236}">
+                <a16:creationId xmlns:a16="http://schemas.microsoft.com/office/drawing/2014/main" id="{71200949-7A05-43E6-9C03-D77E5C94D7A4}"/>
+              </a:ext>
+            </a:extLst>
+          </p:cNvPr>
+          <p:cNvPicPr>
+            <a:picLocks noChangeAspect="1" noChangeArrowheads="1"/>
+          </p:cNvPicPr>
+          <p:nvPr/>
+        </p:nvPicPr>
+        <p:blipFill>
+          <a:blip r:embed="rId11">
+            <a:extLst>
+              <a:ext uri="{28A0092B-C50C-407E-A947-70E740481C1C}">
+                <a14:useLocalDpi xmlns:a14="http://schemas.microsoft.com/office/drawing/2010/main" val="0"/>
+              </a:ext>
+            </a:extLst>
+          </a:blip>
+          <a:srcRect/>
+          <a:stretch>
+            <a:fillRect/>
+          </a:stretch>
+        </p:blipFill>
+        <p:spPr bwMode="auto">
+          <a:xfrm rot="1321454">
+            <a:off x="9708204" y="1518054"/>
+            <a:ext cx="2063605" cy="2087189"/>
+          </a:xfrm>
+          <a:prstGeom prst="rect">
+            <a:avLst/>
+          </a:prstGeom>
+          <a:noFill/>
+          <a:extLst>
+            <a:ext uri="{909E8E84-426E-40DD-AFC4-6F175D3DCCD1}">
+              <a14:hiddenFill xmlns:a14="http://schemas.microsoft.com/office/drawing/2010/main">
+                <a:solidFill>
+                  <a:srgbClr val="FFFFFF"/>
+                </a:solidFill>
+              </a14:hiddenFill>
+            </a:ext>
+          </a:extLst>
+        </p:spPr>
+      </p:pic>
+      <p:pic>
+        <p:nvPicPr>
+          <p:cNvPr id="1036" name="Picture 12" descr="Resultado de imagen para byethost">
+            <a:hlinkClick r:id="rId12" action="ppaction://hlinksldjump"/>
+            <a:extLst>
+              <a:ext uri="{FF2B5EF4-FFF2-40B4-BE49-F238E27FC236}">
+                <a16:creationId xmlns:a16="http://schemas.microsoft.com/office/drawing/2014/main" id="{377ADDF4-A58B-40EF-A132-711E2FB53A1C}"/>
+              </a:ext>
+            </a:extLst>
+          </p:cNvPr>
+          <p:cNvPicPr>
+            <a:picLocks noChangeAspect="1" noChangeArrowheads="1"/>
+          </p:cNvPicPr>
+          <p:nvPr/>
+        </p:nvPicPr>
+        <p:blipFill>
+          <a:blip r:embed="rId13">
+            <a:extLst>
+              <a:ext uri="{28A0092B-C50C-407E-A947-70E740481C1C}">
+                <a14:useLocalDpi xmlns:a14="http://schemas.microsoft.com/office/drawing/2010/main" val="0"/>
+              </a:ext>
+            </a:extLst>
+          </a:blip>
+          <a:srcRect/>
+          <a:stretch>
+            <a:fillRect/>
+          </a:stretch>
+        </p:blipFill>
+        <p:spPr bwMode="auto">
+          <a:xfrm rot="19794791">
+            <a:off x="661266" y="4327986"/>
+            <a:ext cx="1943100" cy="1114425"/>
+          </a:xfrm>
+          <a:prstGeom prst="rect">
+            <a:avLst/>
+          </a:prstGeom>
+          <a:noFill/>
+          <a:extLst>
+            <a:ext uri="{909E8E84-426E-40DD-AFC4-6F175D3DCCD1}">
+              <a14:hiddenFill xmlns:a14="http://schemas.microsoft.com/office/drawing/2010/main">
+                <a:solidFill>
+                  <a:srgbClr val="FFFFFF"/>
+                </a:solidFill>
+              </a14:hiddenFill>
+            </a:ext>
+          </a:extLst>
+        </p:spPr>
+      </p:pic>
+      <p:pic>
+        <p:nvPicPr>
+          <p:cNvPr id="1038" name="Picture 14" descr="Resultado de imagen para github">
+            <a:hlinkClick r:id="rId14" action="ppaction://hlinksldjump"/>
+            <a:extLst>
+              <a:ext uri="{FF2B5EF4-FFF2-40B4-BE49-F238E27FC236}">
+                <a16:creationId xmlns:a16="http://schemas.microsoft.com/office/drawing/2014/main" id="{D743070D-23CC-4D28-AFDC-33D30F48683F}"/>
+              </a:ext>
+            </a:extLst>
+          </p:cNvPr>
+          <p:cNvPicPr>
+            <a:picLocks noChangeAspect="1" noChangeArrowheads="1"/>
+          </p:cNvPicPr>
+          <p:nvPr/>
+        </p:nvPicPr>
+        <p:blipFill>
+          <a:blip r:embed="rId15">
+            <a:extLst>
+              <a:ext uri="{28A0092B-C50C-407E-A947-70E740481C1C}">
+                <a14:useLocalDpi xmlns:a14="http://schemas.microsoft.com/office/drawing/2010/main" val="0"/>
+              </a:ext>
+            </a:extLst>
+          </a:blip>
+          <a:srcRect/>
+          <a:stretch>
+            <a:fillRect/>
+          </a:stretch>
+        </p:blipFill>
+        <p:spPr bwMode="auto">
+          <a:xfrm>
+            <a:off x="2701608" y="3808512"/>
+            <a:ext cx="2438400" cy="2438400"/>
+          </a:xfrm>
+          <a:prstGeom prst="rect">
+            <a:avLst/>
+          </a:prstGeom>
+          <a:noFill/>
+          <a:extLst>
+            <a:ext uri="{909E8E84-426E-40DD-AFC4-6F175D3DCCD1}">
+              <a14:hiddenFill xmlns:a14="http://schemas.microsoft.com/office/drawing/2010/main">
+                <a:solidFill>
+                  <a:srgbClr val="FFFFFF"/>
+                </a:solidFill>
+              </a14:hiddenFill>
+            </a:ext>
+          </a:extLst>
+        </p:spPr>
+      </p:pic>
+      <p:pic>
+        <p:nvPicPr>
+          <p:cNvPr id="1040" name="Picture 16" descr="Resultado de imagen para webstorm logo">
+            <a:hlinkClick r:id="rId16" action="ppaction://hlinksldjump"/>
+            <a:extLst>
+              <a:ext uri="{FF2B5EF4-FFF2-40B4-BE49-F238E27FC236}">
+                <a16:creationId xmlns:a16="http://schemas.microsoft.com/office/drawing/2014/main" id="{54AA47AB-7447-49D2-883A-4226E1AE1712}"/>
+              </a:ext>
+            </a:extLst>
+          </p:cNvPr>
+          <p:cNvPicPr>
+            <a:picLocks noChangeAspect="1" noChangeArrowheads="1"/>
+          </p:cNvPicPr>
+          <p:nvPr/>
+        </p:nvPicPr>
+        <p:blipFill>
+          <a:blip r:embed="rId17">
+            <a:extLst>
+              <a:ext uri="{28A0092B-C50C-407E-A947-70E740481C1C}">
+                <a14:useLocalDpi xmlns:a14="http://schemas.microsoft.com/office/drawing/2010/main" val="0"/>
+              </a:ext>
+            </a:extLst>
+          </a:blip>
+          <a:srcRect/>
+          <a:stretch>
+            <a:fillRect/>
+          </a:stretch>
+        </p:blipFill>
+        <p:spPr bwMode="auto">
+          <a:xfrm>
+            <a:off x="4344680" y="3466969"/>
+            <a:ext cx="5999792" cy="3239887"/>
+          </a:xfrm>
+          <a:prstGeom prst="rect">
+            <a:avLst/>
+          </a:prstGeom>
+          <a:noFill/>
+          <a:extLst>
+            <a:ext uri="{909E8E84-426E-40DD-AFC4-6F175D3DCCD1}">
+              <a14:hiddenFill xmlns:a14="http://schemas.microsoft.com/office/drawing/2010/main">
+                <a:solidFill>
+                  <a:srgbClr val="FFFFFF"/>
+                </a:solidFill>
+              </a14:hiddenFill>
+            </a:ext>
+          </a:extLst>
+        </p:spPr>
+      </p:pic>
+    </p:spTree>
+    <p:extLst>
+      <p:ext uri="{BB962C8B-B14F-4D97-AF65-F5344CB8AC3E}">
+        <p14:creationId xmlns:p14="http://schemas.microsoft.com/office/powerpoint/2010/main" val="1732197934"/>
+      </p:ext>
+    </p:extLst>
+  </p:cSld>
+  <p:clrMapOvr>
+    <a:masterClrMapping/>
+  </p:clrMapOvr>
+</p:sld>
+</file>
+
+<file path=ppt/slides/slide5.xml><?xml version="1.0" encoding="utf-8"?>
+<p:sld xmlns:a="http://schemas.openxmlformats.org/drawingml/2006/main" xmlns:r="http://schemas.openxmlformats.org/officeDocument/2006/relationships" xmlns:p="http://schemas.openxmlformats.org/presentationml/2006/main">
+  <p:cSld>
+    <p:spTree>
+      <p:nvGrpSpPr>
+        <p:cNvPr id="1" name=""/>
+        <p:cNvGrpSpPr/>
+        <p:nvPr/>
+      </p:nvGrpSpPr>
+      <p:grpSpPr>
+        <a:xfrm>
+          <a:off x="0" y="0"/>
+          <a:ext cx="0" cy="0"/>
+          <a:chOff x="0" y="0"/>
+          <a:chExt cx="0" cy="0"/>
+        </a:xfrm>
+      </p:grpSpPr>
+      <p:sp>
+        <p:nvSpPr>
           <p:cNvPr id="2" name="Título 1">
             <a:extLst>
               <a:ext uri="{FF2B5EF4-FFF2-40B4-BE49-F238E27FC236}">
@@ -5382,7 +6544,7 @@
 </p:sld>
 </file>
 
-<file path=ppt/slides/slide4.xml><?xml version="1.0" encoding="utf-8"?>
+<file path=ppt/slides/slide6.xml><?xml version="1.0" encoding="utf-8"?>
 <p:sld xmlns:a="http://schemas.openxmlformats.org/drawingml/2006/main" xmlns:r="http://schemas.openxmlformats.org/officeDocument/2006/relationships" xmlns:p="http://schemas.openxmlformats.org/presentationml/2006/main">
   <p:cSld>
     <p:spTree>
@@ -5701,7 +6863,7 @@
 </p:sld>
 </file>
 
-<file path=ppt/slides/slide5.xml><?xml version="1.0" encoding="utf-8"?>
+<file path=ppt/slides/slide7.xml><?xml version="1.0" encoding="utf-8"?>
 <p:sld xmlns:a="http://schemas.openxmlformats.org/drawingml/2006/main" xmlns:r="http://schemas.openxmlformats.org/officeDocument/2006/relationships" xmlns:p="http://schemas.openxmlformats.org/presentationml/2006/main">
   <p:cSld>
     <p:spTree>
@@ -5791,6 +6953,7 @@
       <p:pic>
         <p:nvPicPr>
           <p:cNvPr id="2050" name="Picture 2" descr="Resultado de imagen para javascript">
+            <a:hlinkClick r:id="rId3" action="ppaction://hlinksldjump"/>
             <a:extLst>
               <a:ext uri="{FF2B5EF4-FFF2-40B4-BE49-F238E27FC236}">
                 <a16:creationId xmlns:a16="http://schemas.microsoft.com/office/drawing/2014/main" id="{D6277F18-6C3C-4521-8153-FB3C8E5EA8FE}"/>
@@ -5803,7 +6966,7 @@
           <p:nvPr/>
         </p:nvPicPr>
         <p:blipFill>
-          <a:blip r:embed="rId3" cstate="print">
+          <a:blip r:embed="rId4" cstate="print">
             <a:extLst>
               <a:ext uri="{28A0092B-C50C-407E-A947-70E740481C1C}">
                 <a14:useLocalDpi xmlns:a14="http://schemas.microsoft.com/office/drawing/2010/main" val="0"/>
@@ -5835,6 +6998,54 @@
           </a:extLst>
         </p:spPr>
       </p:pic>
+      <p:pic>
+        <p:nvPicPr>
+          <p:cNvPr id="3074" name="Picture 2" descr="Resultado de imagen para logo back png">
+            <a:hlinkClick r:id="rId5" action="ppaction://hlinksldjump"/>
+            <a:extLst>
+              <a:ext uri="{FF2B5EF4-FFF2-40B4-BE49-F238E27FC236}">
+                <a16:creationId xmlns:a16="http://schemas.microsoft.com/office/drawing/2014/main" id="{230BD812-6F96-4904-98D7-CAF48DF2E50D}"/>
+              </a:ext>
+            </a:extLst>
+          </p:cNvPr>
+          <p:cNvPicPr>
+            <a:picLocks noChangeAspect="1" noChangeArrowheads="1"/>
+          </p:cNvPicPr>
+          <p:nvPr/>
+        </p:nvPicPr>
+        <p:blipFill>
+          <a:blip r:embed="rId6" cstate="print">
+            <a:extLst>
+              <a:ext uri="{28A0092B-C50C-407E-A947-70E740481C1C}">
+                <a14:useLocalDpi xmlns:a14="http://schemas.microsoft.com/office/drawing/2010/main" val="0"/>
+              </a:ext>
+            </a:extLst>
+          </a:blip>
+          <a:srcRect/>
+          <a:stretch>
+            <a:fillRect/>
+          </a:stretch>
+        </p:blipFill>
+        <p:spPr bwMode="auto">
+          <a:xfrm>
+            <a:off x="191344" y="5949280"/>
+            <a:ext cx="1372369" cy="686185"/>
+          </a:xfrm>
+          <a:prstGeom prst="rect">
+            <a:avLst/>
+          </a:prstGeom>
+          <a:noFill/>
+          <a:extLst>
+            <a:ext uri="{909E8E84-426E-40DD-AFC4-6F175D3DCCD1}">
+              <a14:hiddenFill xmlns:a14="http://schemas.microsoft.com/office/drawing/2010/main">
+                <a:solidFill>
+                  <a:srgbClr val="FFFFFF"/>
+                </a:solidFill>
+              </a14:hiddenFill>
+            </a:ext>
+          </a:extLst>
+        </p:spPr>
+      </p:pic>
     </p:spTree>
     <p:extLst>
       <p:ext uri="{BB962C8B-B14F-4D97-AF65-F5344CB8AC3E}">
@@ -5845,13 +7056,13 @@
   <p:clrMapOvr>
     <a:masterClrMapping/>
   </p:clrMapOvr>
-  <mc:AlternateContent xmlns:mc="http://schemas.openxmlformats.org/markup-compatibility/2006">
-    <mc:Choice xmlns:p14="http://schemas.microsoft.com/office/powerpoint/2010/main" Requires="p14">
+  <mc:AlternateContent xmlns:mc="http://schemas.openxmlformats.org/markup-compatibility/2006" xmlns:p14="http://schemas.microsoft.com/office/powerpoint/2010/main">
+    <mc:Choice Requires="p14">
       <p:transition spd="slow">
         <p14:flash/>
       </p:transition>
     </mc:Choice>
-    <mc:Fallback>
+    <mc:Fallback xmlns="">
       <p:transition spd="slow">
         <p:fade/>
       </p:transition>
@@ -5860,7 +7071,7 @@
 </p:sld>
 </file>
 
-<file path=ppt/slides/slide6.xml><?xml version="1.0" encoding="utf-8"?>
+<file path=ppt/slides/slide8.xml><?xml version="1.0" encoding="utf-8"?>
 <p:sld xmlns:a="http://schemas.openxmlformats.org/drawingml/2006/main" xmlns:r="http://schemas.openxmlformats.org/officeDocument/2006/relationships" xmlns:p="http://schemas.openxmlformats.org/presentationml/2006/main">
   <p:cSld>
     <p:spTree>
@@ -6034,8 +7245,56 @@
         </p:blipFill>
         <p:spPr bwMode="auto">
           <a:xfrm>
-            <a:off x="623392" y="3614428"/>
+            <a:off x="1703512" y="3614428"/>
             <a:ext cx="2616513" cy="2852936"/>
+          </a:xfrm>
+          <a:prstGeom prst="rect">
+            <a:avLst/>
+          </a:prstGeom>
+          <a:noFill/>
+          <a:extLst>
+            <a:ext uri="{909E8E84-426E-40DD-AFC4-6F175D3DCCD1}">
+              <a14:hiddenFill xmlns:a14="http://schemas.microsoft.com/office/drawing/2010/main">
+                <a:solidFill>
+                  <a:srgbClr val="FFFFFF"/>
+                </a:solidFill>
+              </a14:hiddenFill>
+            </a:ext>
+          </a:extLst>
+        </p:spPr>
+      </p:pic>
+      <p:pic>
+        <p:nvPicPr>
+          <p:cNvPr id="6" name="Picture 2" descr="Resultado de imagen para logo back png">
+            <a:hlinkClick r:id="rId5" action="ppaction://hlinksldjump"/>
+            <a:extLst>
+              <a:ext uri="{FF2B5EF4-FFF2-40B4-BE49-F238E27FC236}">
+                <a16:creationId xmlns:a16="http://schemas.microsoft.com/office/drawing/2014/main" id="{2CE0BAC1-2585-4243-A497-26872A5660DD}"/>
+              </a:ext>
+            </a:extLst>
+          </p:cNvPr>
+          <p:cNvPicPr>
+            <a:picLocks noChangeAspect="1" noChangeArrowheads="1"/>
+          </p:cNvPicPr>
+          <p:nvPr/>
+        </p:nvPicPr>
+        <p:blipFill>
+          <a:blip r:embed="rId6" cstate="print">
+            <a:extLst>
+              <a:ext uri="{28A0092B-C50C-407E-A947-70E740481C1C}">
+                <a14:useLocalDpi xmlns:a14="http://schemas.microsoft.com/office/drawing/2010/main" val="0"/>
+              </a:ext>
+            </a:extLst>
+          </a:blip>
+          <a:srcRect/>
+          <a:stretch>
+            <a:fillRect/>
+          </a:stretch>
+        </p:blipFill>
+        <p:spPr bwMode="auto">
+          <a:xfrm>
+            <a:off x="191344" y="5949280"/>
+            <a:ext cx="1372369" cy="686185"/>
           </a:xfrm>
           <a:prstGeom prst="rect">
             <a:avLst/>
@@ -6062,13 +7321,13 @@
   <p:clrMapOvr>
     <a:masterClrMapping/>
   </p:clrMapOvr>
-  <mc:AlternateContent xmlns:mc="http://schemas.openxmlformats.org/markup-compatibility/2006">
-    <mc:Choice xmlns:p14="http://schemas.microsoft.com/office/powerpoint/2010/main" Requires="p14">
+  <mc:AlternateContent xmlns:mc="http://schemas.openxmlformats.org/markup-compatibility/2006" xmlns:p14="http://schemas.microsoft.com/office/powerpoint/2010/main">
+    <mc:Choice Requires="p14">
       <p:transition spd="slow" p14:dur="1500">
         <p:split orient="vert"/>
       </p:transition>
     </mc:Choice>
-    <mc:Fallback>
+    <mc:Fallback xmlns="">
       <p:transition spd="slow">
         <p:split orient="vert"/>
       </p:transition>
@@ -6077,7 +7336,7 @@
 </p:sld>
 </file>
 
-<file path=ppt/slides/slide7.xml><?xml version="1.0" encoding="utf-8"?>
+<file path=ppt/slides/slide9.xml><?xml version="1.0" encoding="utf-8"?>
 <p:sld xmlns:a="http://schemas.openxmlformats.org/drawingml/2006/main" xmlns:r="http://schemas.openxmlformats.org/officeDocument/2006/relationships" xmlns:p="http://schemas.openxmlformats.org/presentationml/2006/main">
   <p:cSld>
     <p:spTree>
@@ -6477,127 +7736,13 @@
           </a:prstGeom>
         </p:spPr>
       </p:pic>
-    </p:spTree>
-    <p:extLst>
-      <p:ext uri="{BB962C8B-B14F-4D97-AF65-F5344CB8AC3E}">
-        <p14:creationId xmlns:p14="http://schemas.microsoft.com/office/powerpoint/2010/main" val="532835128"/>
-      </p:ext>
-    </p:extLst>
-  </p:cSld>
-  <p:clrMapOvr>
-    <a:masterClrMapping/>
-  </p:clrMapOvr>
-  <mc:AlternateContent xmlns:mc="http://schemas.openxmlformats.org/markup-compatibility/2006">
-    <mc:Choice xmlns:p15="http://schemas.microsoft.com/office/powerpoint/2012/main" Requires="p15">
-      <p:transition xmlns:p14="http://schemas.microsoft.com/office/powerpoint/2010/main" spd="slow" p14:dur="2000">
-        <p15:prstTrans prst="prestige"/>
-      </p:transition>
-    </mc:Choice>
-    <mc:Fallback>
-      <p:transition spd="slow">
-        <p:fade/>
-      </p:transition>
-    </mc:Fallback>
-  </mc:AlternateContent>
-</p:sld>
-</file>
-
-<file path=ppt/slides/slide8.xml><?xml version="1.0" encoding="utf-8"?>
-<p:sld xmlns:a="http://schemas.openxmlformats.org/drawingml/2006/main" xmlns:r="http://schemas.openxmlformats.org/officeDocument/2006/relationships" xmlns:p="http://schemas.openxmlformats.org/presentationml/2006/main">
-  <p:cSld>
-    <p:spTree>
-      <p:nvGrpSpPr>
-        <p:cNvPr id="1" name=""/>
-        <p:cNvGrpSpPr/>
-        <p:nvPr/>
-      </p:nvGrpSpPr>
-      <p:grpSpPr>
-        <a:xfrm>
-          <a:off x="0" y="0"/>
-          <a:ext cx="0" cy="0"/>
-          <a:chOff x="0" y="0"/>
-          <a:chExt cx="0" cy="0"/>
-        </a:xfrm>
-      </p:grpSpPr>
-      <p:sp>
-        <p:nvSpPr>
-          <p:cNvPr id="2" name="Título 1"/>
-          <p:cNvSpPr>
-            <a:spLocks noGrp="1"/>
-          </p:cNvSpPr>
-          <p:nvPr>
-            <p:ph type="title"/>
-          </p:nvPr>
-        </p:nvSpPr>
-        <p:spPr>
-          <a:xfrm>
-            <a:off x="1271464" y="-169540"/>
-            <a:ext cx="9144000" cy="1863080"/>
-          </a:xfrm>
-        </p:spPr>
-        <p:txBody>
-          <a:bodyPr rtlCol="0"/>
-          <a:lstStyle/>
-          <a:p>
-            <a:pPr rtl="0"/>
-            <a:r>
-              <a:rPr lang="es-ES" dirty="0"/>
-              <a:t>PHP</a:t>
-            </a:r>
-          </a:p>
-        </p:txBody>
-      </p:sp>
-      <p:sp>
-        <p:nvSpPr>
-          <p:cNvPr id="3" name="Marcador de posición de texto 2"/>
-          <p:cNvSpPr>
-            <a:spLocks noGrp="1"/>
-          </p:cNvSpPr>
-          <p:nvPr>
-            <p:ph type="body" idx="1"/>
-          </p:nvPr>
-        </p:nvSpPr>
-        <p:spPr>
-          <a:xfrm>
-            <a:off x="1271464" y="2060848"/>
-            <a:ext cx="9144000" cy="2232248"/>
-          </a:xfrm>
-        </p:spPr>
-        <p:txBody>
-          <a:bodyPr rtlCol="0">
-            <a:normAutofit/>
-          </a:bodyPr>
-          <a:lstStyle/>
-          <a:p>
-            <a:r>
-              <a:rPr lang="es-ES" sz="2400" dirty="0"/>
-              <a:t>PHP es el acrónimo de </a:t>
-            </a:r>
-            <a:r>
-              <a:rPr lang="es-ES" sz="2400" dirty="0" err="1"/>
-              <a:t>Hipertext</a:t>
-            </a:r>
-            <a:r>
-              <a:rPr lang="es-ES" sz="2400" dirty="0"/>
-              <a:t> </a:t>
-            </a:r>
-            <a:r>
-              <a:rPr lang="es-ES" sz="2400" dirty="0" err="1"/>
-              <a:t>Preprocesor</a:t>
-            </a:r>
-            <a:r>
-              <a:rPr lang="es-ES" sz="2400" dirty="0"/>
-              <a:t>. Es un lenguaje de programación del lado del servidor gratuito e independiente de plataforma, rápido, con una gran librería de funciones y mucha documentación.</a:t>
-            </a:r>
-          </a:p>
-        </p:txBody>
-      </p:sp>
       <p:pic>
         <p:nvPicPr>
-          <p:cNvPr id="4098" name="Picture 2" descr="Resultado de imagen para PHP">
+          <p:cNvPr id="8" name="Picture 2" descr="Resultado de imagen para logo back png">
+            <a:hlinkClick r:id="rId4" action="ppaction://hlinksldjump"/>
             <a:extLst>
               <a:ext uri="{FF2B5EF4-FFF2-40B4-BE49-F238E27FC236}">
-                <a16:creationId xmlns:a16="http://schemas.microsoft.com/office/drawing/2014/main" id="{4D0A181D-5A88-45DE-B83A-995F92CD697D}"/>
+                <a16:creationId xmlns:a16="http://schemas.microsoft.com/office/drawing/2014/main" id="{ED96D678-1A8C-4FA7-9720-4326EA4E98E1}"/>
               </a:ext>
             </a:extLst>
           </p:cNvPr>
@@ -6607,7 +7752,7 @@
           <p:nvPr/>
         </p:nvPicPr>
         <p:blipFill>
-          <a:blip r:embed="rId3">
+          <a:blip r:embed="rId5" cstate="print">
             <a:extLst>
               <a:ext uri="{28A0092B-C50C-407E-A947-70E740481C1C}">
                 <a14:useLocalDpi xmlns:a14="http://schemas.microsoft.com/office/drawing/2010/main" val="0"/>
@@ -6621,8 +7766,8 @@
         </p:blipFill>
         <p:spPr bwMode="auto">
           <a:xfrm>
-            <a:off x="8184232" y="3933056"/>
-            <a:ext cx="3192407" cy="2113409"/>
+            <a:off x="191344" y="5949280"/>
+            <a:ext cx="1372369" cy="686185"/>
           </a:xfrm>
           <a:prstGeom prst="rect">
             <a:avLst/>
@@ -6642,166 +7787,20 @@
     </p:spTree>
     <p:extLst>
       <p:ext uri="{BB962C8B-B14F-4D97-AF65-F5344CB8AC3E}">
-        <p14:creationId xmlns:p14="http://schemas.microsoft.com/office/powerpoint/2010/main" val="1689243866"/>
+        <p14:creationId xmlns:p14="http://schemas.microsoft.com/office/powerpoint/2010/main" val="532835128"/>
       </p:ext>
     </p:extLst>
   </p:cSld>
   <p:clrMapOvr>
     <a:masterClrMapping/>
   </p:clrMapOvr>
-  <mc:AlternateContent xmlns:mc="http://schemas.openxmlformats.org/markup-compatibility/2006">
-    <mc:Choice xmlns:p14="http://schemas.microsoft.com/office/powerpoint/2010/main" Requires="p14">
-      <p:transition spd="slow" p14:dur="4000">
-        <p14:vortex dir="r"/>
+  <mc:AlternateContent xmlns:mc="http://schemas.openxmlformats.org/markup-compatibility/2006" xmlns:p15="http://schemas.microsoft.com/office/powerpoint/2012/main">
+    <mc:Choice Requires="p15">
+      <p:transition xmlns:p14="http://schemas.microsoft.com/office/powerpoint/2010/main" spd="slow" p14:dur="2000">
+        <p15:prstTrans prst="prestige"/>
       </p:transition>
     </mc:Choice>
-    <mc:Fallback>
-      <p:transition spd="slow">
-        <p:fade/>
-      </p:transition>
-    </mc:Fallback>
-  </mc:AlternateContent>
-</p:sld>
-</file>
-
-<file path=ppt/slides/slide9.xml><?xml version="1.0" encoding="utf-8"?>
-<p:sld xmlns:a="http://schemas.openxmlformats.org/drawingml/2006/main" xmlns:r="http://schemas.openxmlformats.org/officeDocument/2006/relationships" xmlns:p="http://schemas.openxmlformats.org/presentationml/2006/main">
-  <p:cSld>
-    <p:spTree>
-      <p:nvGrpSpPr>
-        <p:cNvPr id="1" name=""/>
-        <p:cNvGrpSpPr/>
-        <p:nvPr/>
-      </p:nvGrpSpPr>
-      <p:grpSpPr>
-        <a:xfrm>
-          <a:off x="0" y="0"/>
-          <a:ext cx="0" cy="0"/>
-          <a:chOff x="0" y="0"/>
-          <a:chExt cx="0" cy="0"/>
-        </a:xfrm>
-      </p:grpSpPr>
-      <p:sp>
-        <p:nvSpPr>
-          <p:cNvPr id="2" name="Título 1"/>
-          <p:cNvSpPr>
-            <a:spLocks noGrp="1"/>
-          </p:cNvSpPr>
-          <p:nvPr>
-            <p:ph type="title"/>
-          </p:nvPr>
-        </p:nvSpPr>
-        <p:spPr>
-          <a:xfrm>
-            <a:off x="1271464" y="-169540"/>
-            <a:ext cx="9144000" cy="1863080"/>
-          </a:xfrm>
-        </p:spPr>
-        <p:txBody>
-          <a:bodyPr rtlCol="0"/>
-          <a:lstStyle/>
-          <a:p>
-            <a:pPr rtl="0"/>
-            <a:r>
-              <a:rPr lang="es-ES" dirty="0"/>
-              <a:t>MYSQL</a:t>
-            </a:r>
-          </a:p>
-        </p:txBody>
-      </p:sp>
-      <p:sp>
-        <p:nvSpPr>
-          <p:cNvPr id="3" name="Marcador de posición de texto 2"/>
-          <p:cNvSpPr>
-            <a:spLocks noGrp="1"/>
-          </p:cNvSpPr>
-          <p:nvPr>
-            <p:ph type="body" idx="1"/>
-          </p:nvPr>
-        </p:nvSpPr>
-        <p:spPr>
-          <a:xfrm>
-            <a:off x="1271464" y="2060848"/>
-            <a:ext cx="9144000" cy="2232248"/>
-          </a:xfrm>
-        </p:spPr>
-        <p:txBody>
-          <a:bodyPr rtlCol="0">
-            <a:normAutofit/>
-          </a:bodyPr>
-          <a:lstStyle/>
-          <a:p>
-            <a:r>
-              <a:rPr lang="es-ES" sz="2400" dirty="0"/>
-              <a:t>MySQL es un sistema de gestión de base de datos relacional (RDBMS) de código abierto, basado en lenguaje de consulta estructurado (SQL).</a:t>
-            </a:r>
-          </a:p>
-        </p:txBody>
-      </p:sp>
-      <p:pic>
-        <p:nvPicPr>
-          <p:cNvPr id="5122" name="Picture 2" descr="Resultado de imagen para mysql">
-            <a:extLst>
-              <a:ext uri="{FF2B5EF4-FFF2-40B4-BE49-F238E27FC236}">
-                <a16:creationId xmlns:a16="http://schemas.microsoft.com/office/drawing/2014/main" id="{1AFD3212-2AB3-474F-B9DB-B67AF756DA00}"/>
-              </a:ext>
-            </a:extLst>
-          </p:cNvPr>
-          <p:cNvPicPr>
-            <a:picLocks noChangeAspect="1" noChangeArrowheads="1"/>
-          </p:cNvPicPr>
-          <p:nvPr/>
-        </p:nvPicPr>
-        <p:blipFill>
-          <a:blip r:embed="rId3">
-            <a:extLst>
-              <a:ext uri="{28A0092B-C50C-407E-A947-70E740481C1C}">
-                <a14:useLocalDpi xmlns:a14="http://schemas.microsoft.com/office/drawing/2010/main" val="0"/>
-              </a:ext>
-            </a:extLst>
-          </a:blip>
-          <a:srcRect/>
-          <a:stretch>
-            <a:fillRect/>
-          </a:stretch>
-        </p:blipFill>
-        <p:spPr bwMode="auto">
-          <a:xfrm>
-            <a:off x="6384032" y="2708920"/>
-            <a:ext cx="5334000" cy="3524250"/>
-          </a:xfrm>
-          <a:prstGeom prst="rect">
-            <a:avLst/>
-          </a:prstGeom>
-          <a:noFill/>
-          <a:extLst>
-            <a:ext uri="{909E8E84-426E-40DD-AFC4-6F175D3DCCD1}">
-              <a14:hiddenFill xmlns:a14="http://schemas.microsoft.com/office/drawing/2010/main">
-                <a:solidFill>
-                  <a:srgbClr val="FFFFFF"/>
-                </a:solidFill>
-              </a14:hiddenFill>
-            </a:ext>
-          </a:extLst>
-        </p:spPr>
-      </p:pic>
-    </p:spTree>
-    <p:extLst>
-      <p:ext uri="{BB962C8B-B14F-4D97-AF65-F5344CB8AC3E}">
-        <p14:creationId xmlns:p14="http://schemas.microsoft.com/office/powerpoint/2010/main" val="3001190284"/>
-      </p:ext>
-    </p:extLst>
-  </p:cSld>
-  <p:clrMapOvr>
-    <a:masterClrMapping/>
-  </p:clrMapOvr>
-  <mc:AlternateContent xmlns:mc="http://schemas.openxmlformats.org/markup-compatibility/2006">
-    <mc:Choice xmlns:p159="http://schemas.microsoft.com/office/powerpoint/2015/09/main" Requires="p159">
-      <p:transition xmlns:p14="http://schemas.microsoft.com/office/powerpoint/2010/main" spd="slow" p14:dur="2000">
-        <p159:morph option="byObject"/>
-      </p:transition>
-    </mc:Choice>
-    <mc:Fallback>
+    <mc:Fallback xmlns="">
       <p:transition spd="slow">
         <p:fade/>
       </p:transition>
@@ -7594,141 +8593,6 @@
 </file>
 
 <file path=customXml/item1.xml><?xml version="1.0" encoding="utf-8"?>
-<?mso-contentType ?>
-<FormTemplates xmlns="http://schemas.microsoft.com/sharepoint/v3/contenttype/forms">
-  <Display>DocumentLibraryForm</Display>
-  <Edit>AssetEditForm</Edit>
-  <New>DocumentLibraryForm</New>
-</FormTemplates>
-</file>
-
-<file path=customXml/item2.xml><?xml version="1.0" encoding="utf-8"?>
-<p:properties xmlns:p="http://schemas.microsoft.com/office/2006/metadata/properties" xmlns:xsi="http://www.w3.org/2001/XMLSchema-instance" xmlns:pc="http://schemas.microsoft.com/office/infopath/2007/PartnerControls">
-  <documentManagement>
-    <DirectSourceMarket xmlns="4873beb7-5857-4685-be1f-d57550cc96cc" xsi:nil="true"/>
-    <ApprovalStatus xmlns="4873beb7-5857-4685-be1f-d57550cc96cc">InProgress</ApprovalStatus>
-    <MarketSpecific xmlns="4873beb7-5857-4685-be1f-d57550cc96cc">false</MarketSpecific>
-    <LocComments xmlns="4873beb7-5857-4685-be1f-d57550cc96cc" xsi:nil="true"/>
-    <ThumbnailAssetId xmlns="4873beb7-5857-4685-be1f-d57550cc96cc" xsi:nil="true"/>
-    <PrimaryImageGen xmlns="4873beb7-5857-4685-be1f-d57550cc96cc">true</PrimaryImageGen>
-    <LegacyData xmlns="4873beb7-5857-4685-be1f-d57550cc96cc" xsi:nil="true"/>
-    <LocRecommendedHandoff xmlns="4873beb7-5857-4685-be1f-d57550cc96cc" xsi:nil="true"/>
-    <BusinessGroup xmlns="4873beb7-5857-4685-be1f-d57550cc96cc" xsi:nil="true"/>
-    <BlockPublish xmlns="4873beb7-5857-4685-be1f-d57550cc96cc">false</BlockPublish>
-    <TPFriendlyName xmlns="4873beb7-5857-4685-be1f-d57550cc96cc" xsi:nil="true"/>
-    <NumericId xmlns="4873beb7-5857-4685-be1f-d57550cc96cc" xsi:nil="true"/>
-    <APEditor xmlns="4873beb7-5857-4685-be1f-d57550cc96cc">
-      <UserInfo>
-        <DisplayName/>
-        <AccountId xsi:nil="true"/>
-        <AccountType/>
-      </UserInfo>
-    </APEditor>
-    <SourceTitle xmlns="4873beb7-5857-4685-be1f-d57550cc96cc" xsi:nil="true"/>
-    <OpenTemplate xmlns="4873beb7-5857-4685-be1f-d57550cc96cc">true</OpenTemplate>
-    <UALocComments xmlns="4873beb7-5857-4685-be1f-d57550cc96cc" xsi:nil="true"/>
-    <ParentAssetId xmlns="4873beb7-5857-4685-be1f-d57550cc96cc" xsi:nil="true"/>
-    <IntlLangReviewDate xmlns="4873beb7-5857-4685-be1f-d57550cc96cc" xsi:nil="true"/>
-    <FeatureTagsTaxHTField0 xmlns="4873beb7-5857-4685-be1f-d57550cc96cc">
-      <Terms xmlns="http://schemas.microsoft.com/office/infopath/2007/PartnerControls"/>
-    </FeatureTagsTaxHTField0>
-    <PublishStatusLookup xmlns="4873beb7-5857-4685-be1f-d57550cc96cc">
-      <Value>1566889</Value>
-    </PublishStatusLookup>
-    <Providers xmlns="4873beb7-5857-4685-be1f-d57550cc96cc" xsi:nil="true"/>
-    <MachineTranslated xmlns="4873beb7-5857-4685-be1f-d57550cc96cc">false</MachineTranslated>
-    <OriginalSourceMarket xmlns="4873beb7-5857-4685-be1f-d57550cc96cc" xsi:nil="true"/>
-    <APDescription xmlns="4873beb7-5857-4685-be1f-d57550cc96cc" xsi:nil="true"/>
-    <ClipArtFilename xmlns="4873beb7-5857-4685-be1f-d57550cc96cc" xsi:nil="true"/>
-    <ContentItem xmlns="4873beb7-5857-4685-be1f-d57550cc96cc" xsi:nil="true"/>
-    <TPInstallLocation xmlns="4873beb7-5857-4685-be1f-d57550cc96cc" xsi:nil="true"/>
-    <PublishTargets xmlns="4873beb7-5857-4685-be1f-d57550cc96cc">OfficeOnlineVNext</PublishTargets>
-    <TimesCloned xmlns="4873beb7-5857-4685-be1f-d57550cc96cc" xsi:nil="true"/>
-    <AssetStart xmlns="4873beb7-5857-4685-be1f-d57550cc96cc">2012-05-23T08:44:00+00:00</AssetStart>
-    <Provider xmlns="4873beb7-5857-4685-be1f-d57550cc96cc" xsi:nil="true"/>
-    <AcquiredFrom xmlns="4873beb7-5857-4685-be1f-d57550cc96cc">Internal MS</AcquiredFrom>
-    <FriendlyTitle xmlns="4873beb7-5857-4685-be1f-d57550cc96cc" xsi:nil="true"/>
-    <LastHandOff xmlns="4873beb7-5857-4685-be1f-d57550cc96cc" xsi:nil="true"/>
-    <TPClientViewer xmlns="4873beb7-5857-4685-be1f-d57550cc96cc" xsi:nil="true"/>
-    <UACurrentWords xmlns="4873beb7-5857-4685-be1f-d57550cc96cc" xsi:nil="true"/>
-    <ArtSampleDocs xmlns="4873beb7-5857-4685-be1f-d57550cc96cc" xsi:nil="true"/>
-    <UALocRecommendation xmlns="4873beb7-5857-4685-be1f-d57550cc96cc">Localize</UALocRecommendation>
-    <Manager xmlns="4873beb7-5857-4685-be1f-d57550cc96cc" xsi:nil="true"/>
-    <ShowIn xmlns="4873beb7-5857-4685-be1f-d57550cc96cc">Show everywhere</ShowIn>
-    <UANotes xmlns="4873beb7-5857-4685-be1f-d57550cc96cc" xsi:nil="true"/>
-    <TemplateStatus xmlns="4873beb7-5857-4685-be1f-d57550cc96cc">Complete</TemplateStatus>
-    <InternalTagsTaxHTField0 xmlns="4873beb7-5857-4685-be1f-d57550cc96cc">
-      <Terms xmlns="http://schemas.microsoft.com/office/infopath/2007/PartnerControls"/>
-    </InternalTagsTaxHTField0>
-    <CSXHash xmlns="4873beb7-5857-4685-be1f-d57550cc96cc" xsi:nil="true"/>
-    <Downloads xmlns="4873beb7-5857-4685-be1f-d57550cc96cc">0</Downloads>
-    <VoteCount xmlns="4873beb7-5857-4685-be1f-d57550cc96cc" xsi:nil="true"/>
-    <OOCacheId xmlns="4873beb7-5857-4685-be1f-d57550cc96cc" xsi:nil="true"/>
-    <IsDeleted xmlns="4873beb7-5857-4685-be1f-d57550cc96cc">false</IsDeleted>
-    <AssetExpire xmlns="4873beb7-5857-4685-be1f-d57550cc96cc">2029-01-01T08:00:00+00:00</AssetExpire>
-    <DSATActionTaken xmlns="4873beb7-5857-4685-be1f-d57550cc96cc" xsi:nil="true"/>
-    <CSXSubmissionMarket xmlns="4873beb7-5857-4685-be1f-d57550cc96cc" xsi:nil="true"/>
-    <TPExecutable xmlns="4873beb7-5857-4685-be1f-d57550cc96cc" xsi:nil="true"/>
-    <SubmitterId xmlns="4873beb7-5857-4685-be1f-d57550cc96cc" xsi:nil="true"/>
-    <EditorialTags xmlns="4873beb7-5857-4685-be1f-d57550cc96cc" xsi:nil="true"/>
-    <ApprovalLog xmlns="4873beb7-5857-4685-be1f-d57550cc96cc" xsi:nil="true"/>
-    <AssetType xmlns="4873beb7-5857-4685-be1f-d57550cc96cc">TP</AssetType>
-    <BugNumber xmlns="4873beb7-5857-4685-be1f-d57550cc96cc" xsi:nil="true"/>
-    <CSXSubmissionDate xmlns="4873beb7-5857-4685-be1f-d57550cc96cc" xsi:nil="true"/>
-    <CSXUpdate xmlns="4873beb7-5857-4685-be1f-d57550cc96cc">false</CSXUpdate>
-    <Milestone xmlns="4873beb7-5857-4685-be1f-d57550cc96cc" xsi:nil="true"/>
-    <RecommendationsModifier xmlns="4873beb7-5857-4685-be1f-d57550cc96cc" xsi:nil="true"/>
-    <OriginAsset xmlns="4873beb7-5857-4685-be1f-d57550cc96cc" xsi:nil="true"/>
-    <TPComponent xmlns="4873beb7-5857-4685-be1f-d57550cc96cc" xsi:nil="true"/>
-    <AssetId xmlns="4873beb7-5857-4685-be1f-d57550cc96cc">TP102901017</AssetId>
-    <IntlLocPriority xmlns="4873beb7-5857-4685-be1f-d57550cc96cc" xsi:nil="true"/>
-    <PolicheckWords xmlns="4873beb7-5857-4685-be1f-d57550cc96cc" xsi:nil="true"/>
-    <TPLaunchHelpLink xmlns="4873beb7-5857-4685-be1f-d57550cc96cc" xsi:nil="true"/>
-    <TPApplication xmlns="4873beb7-5857-4685-be1f-d57550cc96cc" xsi:nil="true"/>
-    <CrawlForDependencies xmlns="4873beb7-5857-4685-be1f-d57550cc96cc">false</CrawlForDependencies>
-    <HandoffToMSDN xmlns="4873beb7-5857-4685-be1f-d57550cc96cc" xsi:nil="true"/>
-    <PlannedPubDate xmlns="4873beb7-5857-4685-be1f-d57550cc96cc" xsi:nil="true"/>
-    <IntlLangReviewer xmlns="4873beb7-5857-4685-be1f-d57550cc96cc" xsi:nil="true"/>
-    <TrustLevel xmlns="4873beb7-5857-4685-be1f-d57550cc96cc">1 Microsoft Managed Content</TrustLevel>
-    <LocLastLocAttemptVersionLookup xmlns="4873beb7-5857-4685-be1f-d57550cc96cc">836753</LocLastLocAttemptVersionLookup>
-    <IsSearchable xmlns="4873beb7-5857-4685-be1f-d57550cc96cc">true</IsSearchable>
-    <TemplateTemplateType xmlns="4873beb7-5857-4685-be1f-d57550cc96cc">PowerPoint Design Template</TemplateTemplateType>
-    <CampaignTagsTaxHTField0 xmlns="4873beb7-5857-4685-be1f-d57550cc96cc">
-      <Terms xmlns="http://schemas.microsoft.com/office/infopath/2007/PartnerControls"/>
-    </CampaignTagsTaxHTField0>
-    <TPNamespace xmlns="4873beb7-5857-4685-be1f-d57550cc96cc" xsi:nil="true"/>
-    <TaxCatchAll xmlns="4873beb7-5857-4685-be1f-d57550cc96cc"/>
-    <Markets xmlns="4873beb7-5857-4685-be1f-d57550cc96cc"/>
-    <UAProjectedTotalWords xmlns="4873beb7-5857-4685-be1f-d57550cc96cc" xsi:nil="true"/>
-    <IntlLangReview xmlns="4873beb7-5857-4685-be1f-d57550cc96cc">false</IntlLangReview>
-    <OutputCachingOn xmlns="4873beb7-5857-4685-be1f-d57550cc96cc">false</OutputCachingOn>
-    <AverageRating xmlns="4873beb7-5857-4685-be1f-d57550cc96cc" xsi:nil="true"/>
-    <APAuthor xmlns="4873beb7-5857-4685-be1f-d57550cc96cc">
-      <UserInfo>
-        <DisplayName>REDMOND\v-anij</DisplayName>
-        <AccountId>2469</AccountId>
-        <AccountType/>
-      </UserInfo>
-    </APAuthor>
-    <LocManualTestRequired xmlns="4873beb7-5857-4685-be1f-d57550cc96cc">false</LocManualTestRequired>
-    <TPCommandLine xmlns="4873beb7-5857-4685-be1f-d57550cc96cc" xsi:nil="true"/>
-    <TPAppVersion xmlns="4873beb7-5857-4685-be1f-d57550cc96cc" xsi:nil="true"/>
-    <EditorialStatus xmlns="4873beb7-5857-4685-be1f-d57550cc96cc">Complete</EditorialStatus>
-    <LastModifiedDateTime xmlns="4873beb7-5857-4685-be1f-d57550cc96cc" xsi:nil="true"/>
-    <ScenarioTagsTaxHTField0 xmlns="4873beb7-5857-4685-be1f-d57550cc96cc">
-      <Terms xmlns="http://schemas.microsoft.com/office/infopath/2007/PartnerControls"/>
-    </ScenarioTagsTaxHTField0>
-    <OriginalRelease xmlns="4873beb7-5857-4685-be1f-d57550cc96cc">15</OriginalRelease>
-    <TPLaunchHelpLinkType xmlns="4873beb7-5857-4685-be1f-d57550cc96cc">Template</TPLaunchHelpLinkType>
-    <LocalizationTagsTaxHTField0 xmlns="4873beb7-5857-4685-be1f-d57550cc96cc">
-      <Terms xmlns="http://schemas.microsoft.com/office/infopath/2007/PartnerControls"/>
-    </LocalizationTagsTaxHTField0>
-    <LocMarketGroupTiers2 xmlns="4873beb7-5857-4685-be1f-d57550cc96cc" xsi:nil="true"/>
-  </documentManagement>
-</p:properties>
-</file>
-
-<file path=customXml/item3.xml><?xml version="1.0" encoding="utf-8"?>
 <ct:contentTypeSchema xmlns:ct="http://schemas.microsoft.com/office/2006/metadata/contentType" xmlns:ma="http://schemas.microsoft.com/office/2006/metadata/properties/metaAttributes" ct:_="" ma:_="" ma:contentTypeName="TemplateFile" ma:contentTypeID="0x0101006EDDDB5EE6D98C44930B742096920B300400F5B6D36B3EF94B4E9A635CDF2A18F5B8" ma:contentTypeVersion="72" ma:contentTypeDescription="Create a new document." ma:contentTypeScope="" ma:versionID="a23e56308344d904b51738559c3d67c9">
   <xsd:schema xmlns:xsd="http://www.w3.org/2001/XMLSchema" xmlns:xs="http://www.w3.org/2001/XMLSchema" xmlns:p="http://schemas.microsoft.com/office/2006/metadata/properties" xmlns:ns2="4873beb7-5857-4685-be1f-d57550cc96cc" targetNamespace="http://schemas.microsoft.com/office/2006/metadata/properties" ma:root="true" ma:fieldsID="cd0908cc4600e77bf5da051303e00c8d" ns2:_="">
     <xsd:import namespace="4873beb7-5857-4685-be1f-d57550cc96cc"/>
@@ -8768,10 +9632,155 @@
 </ct:contentTypeSchema>
 </file>
 
+<file path=customXml/item2.xml><?xml version="1.0" encoding="utf-8"?>
+<p:properties xmlns:p="http://schemas.microsoft.com/office/2006/metadata/properties" xmlns:xsi="http://www.w3.org/2001/XMLSchema-instance" xmlns:pc="http://schemas.microsoft.com/office/infopath/2007/PartnerControls">
+  <documentManagement>
+    <DirectSourceMarket xmlns="4873beb7-5857-4685-be1f-d57550cc96cc" xsi:nil="true"/>
+    <ApprovalStatus xmlns="4873beb7-5857-4685-be1f-d57550cc96cc">InProgress</ApprovalStatus>
+    <MarketSpecific xmlns="4873beb7-5857-4685-be1f-d57550cc96cc">false</MarketSpecific>
+    <LocComments xmlns="4873beb7-5857-4685-be1f-d57550cc96cc" xsi:nil="true"/>
+    <ThumbnailAssetId xmlns="4873beb7-5857-4685-be1f-d57550cc96cc" xsi:nil="true"/>
+    <PrimaryImageGen xmlns="4873beb7-5857-4685-be1f-d57550cc96cc">true</PrimaryImageGen>
+    <LegacyData xmlns="4873beb7-5857-4685-be1f-d57550cc96cc" xsi:nil="true"/>
+    <LocRecommendedHandoff xmlns="4873beb7-5857-4685-be1f-d57550cc96cc" xsi:nil="true"/>
+    <BusinessGroup xmlns="4873beb7-5857-4685-be1f-d57550cc96cc" xsi:nil="true"/>
+    <BlockPublish xmlns="4873beb7-5857-4685-be1f-d57550cc96cc">false</BlockPublish>
+    <TPFriendlyName xmlns="4873beb7-5857-4685-be1f-d57550cc96cc" xsi:nil="true"/>
+    <NumericId xmlns="4873beb7-5857-4685-be1f-d57550cc96cc" xsi:nil="true"/>
+    <APEditor xmlns="4873beb7-5857-4685-be1f-d57550cc96cc">
+      <UserInfo>
+        <DisplayName/>
+        <AccountId xsi:nil="true"/>
+        <AccountType/>
+      </UserInfo>
+    </APEditor>
+    <SourceTitle xmlns="4873beb7-5857-4685-be1f-d57550cc96cc" xsi:nil="true"/>
+    <OpenTemplate xmlns="4873beb7-5857-4685-be1f-d57550cc96cc">true</OpenTemplate>
+    <UALocComments xmlns="4873beb7-5857-4685-be1f-d57550cc96cc" xsi:nil="true"/>
+    <ParentAssetId xmlns="4873beb7-5857-4685-be1f-d57550cc96cc" xsi:nil="true"/>
+    <IntlLangReviewDate xmlns="4873beb7-5857-4685-be1f-d57550cc96cc" xsi:nil="true"/>
+    <FeatureTagsTaxHTField0 xmlns="4873beb7-5857-4685-be1f-d57550cc96cc">
+      <Terms xmlns="http://schemas.microsoft.com/office/infopath/2007/PartnerControls"/>
+    </FeatureTagsTaxHTField0>
+    <PublishStatusLookup xmlns="4873beb7-5857-4685-be1f-d57550cc96cc">
+      <Value>1566889</Value>
+    </PublishStatusLookup>
+    <Providers xmlns="4873beb7-5857-4685-be1f-d57550cc96cc" xsi:nil="true"/>
+    <MachineTranslated xmlns="4873beb7-5857-4685-be1f-d57550cc96cc">false</MachineTranslated>
+    <OriginalSourceMarket xmlns="4873beb7-5857-4685-be1f-d57550cc96cc" xsi:nil="true"/>
+    <APDescription xmlns="4873beb7-5857-4685-be1f-d57550cc96cc" xsi:nil="true"/>
+    <ClipArtFilename xmlns="4873beb7-5857-4685-be1f-d57550cc96cc" xsi:nil="true"/>
+    <ContentItem xmlns="4873beb7-5857-4685-be1f-d57550cc96cc" xsi:nil="true"/>
+    <TPInstallLocation xmlns="4873beb7-5857-4685-be1f-d57550cc96cc" xsi:nil="true"/>
+    <PublishTargets xmlns="4873beb7-5857-4685-be1f-d57550cc96cc">OfficeOnlineVNext</PublishTargets>
+    <TimesCloned xmlns="4873beb7-5857-4685-be1f-d57550cc96cc" xsi:nil="true"/>
+    <AssetStart xmlns="4873beb7-5857-4685-be1f-d57550cc96cc">2012-05-23T08:44:00+00:00</AssetStart>
+    <Provider xmlns="4873beb7-5857-4685-be1f-d57550cc96cc" xsi:nil="true"/>
+    <AcquiredFrom xmlns="4873beb7-5857-4685-be1f-d57550cc96cc">Internal MS</AcquiredFrom>
+    <FriendlyTitle xmlns="4873beb7-5857-4685-be1f-d57550cc96cc" xsi:nil="true"/>
+    <LastHandOff xmlns="4873beb7-5857-4685-be1f-d57550cc96cc" xsi:nil="true"/>
+    <TPClientViewer xmlns="4873beb7-5857-4685-be1f-d57550cc96cc" xsi:nil="true"/>
+    <UACurrentWords xmlns="4873beb7-5857-4685-be1f-d57550cc96cc" xsi:nil="true"/>
+    <ArtSampleDocs xmlns="4873beb7-5857-4685-be1f-d57550cc96cc" xsi:nil="true"/>
+    <UALocRecommendation xmlns="4873beb7-5857-4685-be1f-d57550cc96cc">Localize</UALocRecommendation>
+    <Manager xmlns="4873beb7-5857-4685-be1f-d57550cc96cc" xsi:nil="true"/>
+    <ShowIn xmlns="4873beb7-5857-4685-be1f-d57550cc96cc">Show everywhere</ShowIn>
+    <UANotes xmlns="4873beb7-5857-4685-be1f-d57550cc96cc" xsi:nil="true"/>
+    <TemplateStatus xmlns="4873beb7-5857-4685-be1f-d57550cc96cc">Complete</TemplateStatus>
+    <InternalTagsTaxHTField0 xmlns="4873beb7-5857-4685-be1f-d57550cc96cc">
+      <Terms xmlns="http://schemas.microsoft.com/office/infopath/2007/PartnerControls"/>
+    </InternalTagsTaxHTField0>
+    <CSXHash xmlns="4873beb7-5857-4685-be1f-d57550cc96cc" xsi:nil="true"/>
+    <Downloads xmlns="4873beb7-5857-4685-be1f-d57550cc96cc">0</Downloads>
+    <VoteCount xmlns="4873beb7-5857-4685-be1f-d57550cc96cc" xsi:nil="true"/>
+    <OOCacheId xmlns="4873beb7-5857-4685-be1f-d57550cc96cc" xsi:nil="true"/>
+    <IsDeleted xmlns="4873beb7-5857-4685-be1f-d57550cc96cc">false</IsDeleted>
+    <AssetExpire xmlns="4873beb7-5857-4685-be1f-d57550cc96cc">2029-01-01T08:00:00+00:00</AssetExpire>
+    <DSATActionTaken xmlns="4873beb7-5857-4685-be1f-d57550cc96cc" xsi:nil="true"/>
+    <CSXSubmissionMarket xmlns="4873beb7-5857-4685-be1f-d57550cc96cc" xsi:nil="true"/>
+    <TPExecutable xmlns="4873beb7-5857-4685-be1f-d57550cc96cc" xsi:nil="true"/>
+    <SubmitterId xmlns="4873beb7-5857-4685-be1f-d57550cc96cc" xsi:nil="true"/>
+    <EditorialTags xmlns="4873beb7-5857-4685-be1f-d57550cc96cc" xsi:nil="true"/>
+    <ApprovalLog xmlns="4873beb7-5857-4685-be1f-d57550cc96cc" xsi:nil="true"/>
+    <AssetType xmlns="4873beb7-5857-4685-be1f-d57550cc96cc">TP</AssetType>
+    <BugNumber xmlns="4873beb7-5857-4685-be1f-d57550cc96cc" xsi:nil="true"/>
+    <CSXSubmissionDate xmlns="4873beb7-5857-4685-be1f-d57550cc96cc" xsi:nil="true"/>
+    <CSXUpdate xmlns="4873beb7-5857-4685-be1f-d57550cc96cc">false</CSXUpdate>
+    <Milestone xmlns="4873beb7-5857-4685-be1f-d57550cc96cc" xsi:nil="true"/>
+    <RecommendationsModifier xmlns="4873beb7-5857-4685-be1f-d57550cc96cc" xsi:nil="true"/>
+    <OriginAsset xmlns="4873beb7-5857-4685-be1f-d57550cc96cc" xsi:nil="true"/>
+    <TPComponent xmlns="4873beb7-5857-4685-be1f-d57550cc96cc" xsi:nil="true"/>
+    <AssetId xmlns="4873beb7-5857-4685-be1f-d57550cc96cc">TP102901017</AssetId>
+    <IntlLocPriority xmlns="4873beb7-5857-4685-be1f-d57550cc96cc" xsi:nil="true"/>
+    <PolicheckWords xmlns="4873beb7-5857-4685-be1f-d57550cc96cc" xsi:nil="true"/>
+    <TPLaunchHelpLink xmlns="4873beb7-5857-4685-be1f-d57550cc96cc" xsi:nil="true"/>
+    <TPApplication xmlns="4873beb7-5857-4685-be1f-d57550cc96cc" xsi:nil="true"/>
+    <CrawlForDependencies xmlns="4873beb7-5857-4685-be1f-d57550cc96cc">false</CrawlForDependencies>
+    <HandoffToMSDN xmlns="4873beb7-5857-4685-be1f-d57550cc96cc" xsi:nil="true"/>
+    <PlannedPubDate xmlns="4873beb7-5857-4685-be1f-d57550cc96cc" xsi:nil="true"/>
+    <IntlLangReviewer xmlns="4873beb7-5857-4685-be1f-d57550cc96cc" xsi:nil="true"/>
+    <TrustLevel xmlns="4873beb7-5857-4685-be1f-d57550cc96cc">1 Microsoft Managed Content</TrustLevel>
+    <LocLastLocAttemptVersionLookup xmlns="4873beb7-5857-4685-be1f-d57550cc96cc">836753</LocLastLocAttemptVersionLookup>
+    <IsSearchable xmlns="4873beb7-5857-4685-be1f-d57550cc96cc">true</IsSearchable>
+    <TemplateTemplateType xmlns="4873beb7-5857-4685-be1f-d57550cc96cc">PowerPoint Design Template</TemplateTemplateType>
+    <CampaignTagsTaxHTField0 xmlns="4873beb7-5857-4685-be1f-d57550cc96cc">
+      <Terms xmlns="http://schemas.microsoft.com/office/infopath/2007/PartnerControls"/>
+    </CampaignTagsTaxHTField0>
+    <TPNamespace xmlns="4873beb7-5857-4685-be1f-d57550cc96cc" xsi:nil="true"/>
+    <TaxCatchAll xmlns="4873beb7-5857-4685-be1f-d57550cc96cc"/>
+    <Markets xmlns="4873beb7-5857-4685-be1f-d57550cc96cc"/>
+    <UAProjectedTotalWords xmlns="4873beb7-5857-4685-be1f-d57550cc96cc" xsi:nil="true"/>
+    <IntlLangReview xmlns="4873beb7-5857-4685-be1f-d57550cc96cc">false</IntlLangReview>
+    <OutputCachingOn xmlns="4873beb7-5857-4685-be1f-d57550cc96cc">false</OutputCachingOn>
+    <AverageRating xmlns="4873beb7-5857-4685-be1f-d57550cc96cc" xsi:nil="true"/>
+    <APAuthor xmlns="4873beb7-5857-4685-be1f-d57550cc96cc">
+      <UserInfo>
+        <DisplayName>REDMOND\v-anij</DisplayName>
+        <AccountId>2469</AccountId>
+        <AccountType/>
+      </UserInfo>
+    </APAuthor>
+    <LocManualTestRequired xmlns="4873beb7-5857-4685-be1f-d57550cc96cc">false</LocManualTestRequired>
+    <TPCommandLine xmlns="4873beb7-5857-4685-be1f-d57550cc96cc" xsi:nil="true"/>
+    <TPAppVersion xmlns="4873beb7-5857-4685-be1f-d57550cc96cc" xsi:nil="true"/>
+    <EditorialStatus xmlns="4873beb7-5857-4685-be1f-d57550cc96cc">Complete</EditorialStatus>
+    <LastModifiedDateTime xmlns="4873beb7-5857-4685-be1f-d57550cc96cc" xsi:nil="true"/>
+    <ScenarioTagsTaxHTField0 xmlns="4873beb7-5857-4685-be1f-d57550cc96cc">
+      <Terms xmlns="http://schemas.microsoft.com/office/infopath/2007/PartnerControls"/>
+    </ScenarioTagsTaxHTField0>
+    <OriginalRelease xmlns="4873beb7-5857-4685-be1f-d57550cc96cc">15</OriginalRelease>
+    <TPLaunchHelpLinkType xmlns="4873beb7-5857-4685-be1f-d57550cc96cc">Template</TPLaunchHelpLinkType>
+    <LocalizationTagsTaxHTField0 xmlns="4873beb7-5857-4685-be1f-d57550cc96cc">
+      <Terms xmlns="http://schemas.microsoft.com/office/infopath/2007/PartnerControls"/>
+    </LocalizationTagsTaxHTField0>
+    <LocMarketGroupTiers2 xmlns="4873beb7-5857-4685-be1f-d57550cc96cc" xsi:nil="true"/>
+  </documentManagement>
+</p:properties>
+</file>
+
+<file path=customXml/item3.xml><?xml version="1.0" encoding="utf-8"?>
+<?mso-contentType ?>
+<FormTemplates xmlns="http://schemas.microsoft.com/sharepoint/v3/contenttype/forms">
+  <Display>DocumentLibraryForm</Display>
+  <Edit>AssetEditForm</Edit>
+  <New>DocumentLibraryForm</New>
+</FormTemplates>
+</file>
+
 <file path=customXml/itemProps1.xml><?xml version="1.0" encoding="utf-8"?>
-<ds:datastoreItem xmlns:ds="http://schemas.openxmlformats.org/officeDocument/2006/customXml" ds:itemID="{746CFF6F-D9AA-4BC0-911A-0A1356771912}">
+<ds:datastoreItem xmlns:ds="http://schemas.openxmlformats.org/officeDocument/2006/customXml" ds:itemID="{0B5C6E15-39DC-470B-9445-F754B9458020}">
   <ds:schemaRefs>
-    <ds:schemaRef ds:uri="http://schemas.microsoft.com/sharepoint/v3/contenttype/forms"/>
+    <ds:schemaRef ds:uri="http://schemas.microsoft.com/office/2006/metadata/contentType"/>
+    <ds:schemaRef ds:uri="http://schemas.microsoft.com/office/2006/metadata/properties/metaAttributes"/>
+    <ds:schemaRef ds:uri="http://www.w3.org/2001/XMLSchema"/>
+    <ds:schemaRef ds:uri="http://schemas.microsoft.com/office/2006/metadata/properties"/>
+    <ds:schemaRef ds:uri="4873beb7-5857-4685-be1f-d57550cc96cc"/>
+    <ds:schemaRef ds:uri="http://schemas.microsoft.com/office/2006/documentManagement/types"/>
+    <ds:schemaRef ds:uri="http://schemas.microsoft.com/office/infopath/2007/PartnerControls"/>
+    <ds:schemaRef ds:uri="http://schemas.openxmlformats.org/package/2006/metadata/core-properties"/>
+    <ds:schemaRef ds:uri="http://purl.org/dc/elements/1.1/"/>
+    <ds:schemaRef ds:uri="http://purl.org/dc/terms/"/>
+    <ds:schemaRef ds:uri="http://schemas.microsoft.com/internal/obd"/>
   </ds:schemaRefs>
 </ds:datastoreItem>
 </file>
@@ -8793,19 +9802,9 @@
 </file>
 
 <file path=customXml/itemProps3.xml><?xml version="1.0" encoding="utf-8"?>
-<ds:datastoreItem xmlns:ds="http://schemas.openxmlformats.org/officeDocument/2006/customXml" ds:itemID="{0B5C6E15-39DC-470B-9445-F754B9458020}">
+<ds:datastoreItem xmlns:ds="http://schemas.openxmlformats.org/officeDocument/2006/customXml" ds:itemID="{746CFF6F-D9AA-4BC0-911A-0A1356771912}">
   <ds:schemaRefs>
-    <ds:schemaRef ds:uri="http://schemas.microsoft.com/office/2006/metadata/contentType"/>
-    <ds:schemaRef ds:uri="http://schemas.microsoft.com/office/2006/metadata/properties/metaAttributes"/>
-    <ds:schemaRef ds:uri="http://www.w3.org/2001/XMLSchema"/>
-    <ds:schemaRef ds:uri="http://schemas.microsoft.com/office/2006/metadata/properties"/>
-    <ds:schemaRef ds:uri="4873beb7-5857-4685-be1f-d57550cc96cc"/>
-    <ds:schemaRef ds:uri="http://schemas.microsoft.com/office/2006/documentManagement/types"/>
-    <ds:schemaRef ds:uri="http://schemas.microsoft.com/office/infopath/2007/PartnerControls"/>
-    <ds:schemaRef ds:uri="http://schemas.openxmlformats.org/package/2006/metadata/core-properties"/>
-    <ds:schemaRef ds:uri="http://purl.org/dc/elements/1.1/"/>
-    <ds:schemaRef ds:uri="http://purl.org/dc/terms/"/>
-    <ds:schemaRef ds:uri="http://schemas.microsoft.com/internal/obd"/>
+    <ds:schemaRef ds:uri="http://schemas.microsoft.com/sharepoint/v3/contenttype/forms"/>
   </ds:schemaRefs>
 </ds:datastoreItem>
 </file>